--- a/Presentation/Auto_sales_sam.pptx
+++ b/Presentation/Auto_sales_sam.pptx
@@ -142,7 +142,7 @@
   <pc:docChgLst>
     <pc:chgData name="Samantha Perez" userId="e1fe9bba9a09bdeb" providerId="LiveId" clId="{DC7BCD4F-4103-4C18-8414-30D3BFC8E670}"/>
     <pc:docChg chg="undo redo custSel addSld delSld modSld sldOrd">
-      <pc:chgData name="Samantha Perez" userId="e1fe9bba9a09bdeb" providerId="LiveId" clId="{DC7BCD4F-4103-4C18-8414-30D3BFC8E670}" dt="2021-08-12T22:23:20.272" v="5911" actId="20577"/>
+      <pc:chgData name="Samantha Perez" userId="e1fe9bba9a09bdeb" providerId="LiveId" clId="{DC7BCD4F-4103-4C18-8414-30D3BFC8E670}" dt="2021-08-13T02:24:06.618" v="5957" actId="26606"/>
       <pc:docMkLst>
         <pc:docMk/>
       </pc:docMkLst>
@@ -794,7 +794,7 @@
         </pc:spChg>
       </pc:sldChg>
       <pc:sldChg chg="addSp delSp modSp add mod">
-        <pc:chgData name="Samantha Perez" userId="e1fe9bba9a09bdeb" providerId="LiveId" clId="{DC7BCD4F-4103-4C18-8414-30D3BFC8E670}" dt="2021-08-12T19:02:06.282" v="4323" actId="1076"/>
+        <pc:chgData name="Samantha Perez" userId="e1fe9bba9a09bdeb" providerId="LiveId" clId="{DC7BCD4F-4103-4C18-8414-30D3BFC8E670}" dt="2021-08-13T02:15:48.927" v="5915" actId="688"/>
         <pc:sldMkLst>
           <pc:docMk/>
           <pc:sldMk cId="1305830375" sldId="275"/>
@@ -824,7 +824,7 @@
           </ac:spMkLst>
         </pc:spChg>
         <pc:spChg chg="add mod">
-          <ac:chgData name="Samantha Perez" userId="e1fe9bba9a09bdeb" providerId="LiveId" clId="{DC7BCD4F-4103-4C18-8414-30D3BFC8E670}" dt="2021-08-12T19:02:03.758" v="4322" actId="1076"/>
+          <ac:chgData name="Samantha Perez" userId="e1fe9bba9a09bdeb" providerId="LiveId" clId="{DC7BCD4F-4103-4C18-8414-30D3BFC8E670}" dt="2021-08-13T02:15:48.927" v="5915" actId="688"/>
           <ac:spMkLst>
             <pc:docMk/>
             <pc:sldMk cId="1305830375" sldId="275"/>
@@ -865,13 +865,13 @@
         </pc:picChg>
       </pc:sldChg>
       <pc:sldChg chg="addSp delSp modSp add mod setBg setClrOvrMap">
-        <pc:chgData name="Samantha Perez" userId="e1fe9bba9a09bdeb" providerId="LiveId" clId="{DC7BCD4F-4103-4C18-8414-30D3BFC8E670}" dt="2021-08-12T19:57:42.589" v="5620" actId="26606"/>
+        <pc:chgData name="Samantha Perez" userId="e1fe9bba9a09bdeb" providerId="LiveId" clId="{DC7BCD4F-4103-4C18-8414-30D3BFC8E670}" dt="2021-08-13T02:24:06.618" v="5957" actId="26606"/>
         <pc:sldMkLst>
           <pc:docMk/>
           <pc:sldMk cId="3196738654" sldId="276"/>
         </pc:sldMkLst>
         <pc:spChg chg="mod">
-          <ac:chgData name="Samantha Perez" userId="e1fe9bba9a09bdeb" providerId="LiveId" clId="{DC7BCD4F-4103-4C18-8414-30D3BFC8E670}" dt="2021-08-12T19:57:42.581" v="5619" actId="26606"/>
+          <ac:chgData name="Samantha Perez" userId="e1fe9bba9a09bdeb" providerId="LiveId" clId="{DC7BCD4F-4103-4C18-8414-30D3BFC8E670}" dt="2021-08-13T02:24:06.618" v="5957" actId="26606"/>
           <ac:spMkLst>
             <pc:docMk/>
             <pc:sldMk cId="3196738654" sldId="276"/>
@@ -942,8 +942,248 @@
             <ac:spMk id="21" creationId="{14002556-A10E-479D-9B30-0C8B7938EF41}"/>
           </ac:spMkLst>
         </pc:spChg>
-        <pc:graphicFrameChg chg="add">
-          <ac:chgData name="Samantha Perez" userId="e1fe9bba9a09bdeb" providerId="LiveId" clId="{DC7BCD4F-4103-4C18-8414-30D3BFC8E670}" dt="2021-08-12T19:57:42.589" v="5620" actId="26606"/>
+        <pc:spChg chg="add del">
+          <ac:chgData name="Samantha Perez" userId="e1fe9bba9a09bdeb" providerId="LiveId" clId="{DC7BCD4F-4103-4C18-8414-30D3BFC8E670}" dt="2021-08-13T02:23:01.096" v="5938" actId="26606"/>
+          <ac:spMkLst>
+            <pc:docMk/>
+            <pc:sldMk cId="3196738654" sldId="276"/>
+            <ac:spMk id="25" creationId="{022AEB96-A3F8-4EC3-A246-8DAD9319AC20}"/>
+          </ac:spMkLst>
+        </pc:spChg>
+        <pc:spChg chg="add del">
+          <ac:chgData name="Samantha Perez" userId="e1fe9bba9a09bdeb" providerId="LiveId" clId="{DC7BCD4F-4103-4C18-8414-30D3BFC8E670}" dt="2021-08-13T02:23:01.096" v="5938" actId="26606"/>
+          <ac:spMkLst>
+            <pc:docMk/>
+            <pc:sldMk cId="3196738654" sldId="276"/>
+            <ac:spMk id="26" creationId="{14002556-A10E-479D-9B30-0C8B7938EF41}"/>
+          </ac:spMkLst>
+        </pc:spChg>
+        <pc:spChg chg="add del">
+          <ac:chgData name="Samantha Perez" userId="e1fe9bba9a09bdeb" providerId="LiveId" clId="{DC7BCD4F-4103-4C18-8414-30D3BFC8E670}" dt="2021-08-13T02:23:34.805" v="5944" actId="26606"/>
+          <ac:spMkLst>
+            <pc:docMk/>
+            <pc:sldMk cId="3196738654" sldId="276"/>
+            <ac:spMk id="27" creationId="{022AEB96-A3F8-4EC3-A246-8DAD9319AC20}"/>
+          </ac:spMkLst>
+        </pc:spChg>
+        <pc:spChg chg="add del">
+          <ac:chgData name="Samantha Perez" userId="e1fe9bba9a09bdeb" providerId="LiveId" clId="{DC7BCD4F-4103-4C18-8414-30D3BFC8E670}" dt="2021-08-13T02:16:20.961" v="5917" actId="26606"/>
+          <ac:spMkLst>
+            <pc:docMk/>
+            <pc:sldMk cId="3196738654" sldId="276"/>
+            <ac:spMk id="28" creationId="{022AEB96-A3F8-4EC3-A246-8DAD9319AC20}"/>
+          </ac:spMkLst>
+        </pc:spChg>
+        <pc:spChg chg="add del">
+          <ac:chgData name="Samantha Perez" userId="e1fe9bba9a09bdeb" providerId="LiveId" clId="{DC7BCD4F-4103-4C18-8414-30D3BFC8E670}" dt="2021-08-13T02:23:34.805" v="5944" actId="26606"/>
+          <ac:spMkLst>
+            <pc:docMk/>
+            <pc:sldMk cId="3196738654" sldId="276"/>
+            <ac:spMk id="29" creationId="{14002556-A10E-479D-9B30-0C8B7938EF41}"/>
+          </ac:spMkLst>
+        </pc:spChg>
+        <pc:spChg chg="add del">
+          <ac:chgData name="Samantha Perez" userId="e1fe9bba9a09bdeb" providerId="LiveId" clId="{DC7BCD4F-4103-4C18-8414-30D3BFC8E670}" dt="2021-08-13T02:16:20.961" v="5917" actId="26606"/>
+          <ac:spMkLst>
+            <pc:docMk/>
+            <pc:sldMk cId="3196738654" sldId="276"/>
+            <ac:spMk id="30" creationId="{14002556-A10E-479D-9B30-0C8B7938EF41}"/>
+          </ac:spMkLst>
+        </pc:spChg>
+        <pc:spChg chg="add del">
+          <ac:chgData name="Samantha Perez" userId="e1fe9bba9a09bdeb" providerId="LiveId" clId="{DC7BCD4F-4103-4C18-8414-30D3BFC8E670}" dt="2021-08-13T02:23:35.973" v="5946" actId="26606"/>
+          <ac:spMkLst>
+            <pc:docMk/>
+            <pc:sldMk cId="3196738654" sldId="276"/>
+            <ac:spMk id="31" creationId="{022AEB96-A3F8-4EC3-A246-8DAD9319AC20}"/>
+          </ac:spMkLst>
+        </pc:spChg>
+        <pc:spChg chg="add del">
+          <ac:chgData name="Samantha Perez" userId="e1fe9bba9a09bdeb" providerId="LiveId" clId="{DC7BCD4F-4103-4C18-8414-30D3BFC8E670}" dt="2021-08-13T02:16:23.153" v="5919" actId="26606"/>
+          <ac:spMkLst>
+            <pc:docMk/>
+            <pc:sldMk cId="3196738654" sldId="276"/>
+            <ac:spMk id="32" creationId="{022AEB96-A3F8-4EC3-A246-8DAD9319AC20}"/>
+          </ac:spMkLst>
+        </pc:spChg>
+        <pc:spChg chg="add del">
+          <ac:chgData name="Samantha Perez" userId="e1fe9bba9a09bdeb" providerId="LiveId" clId="{DC7BCD4F-4103-4C18-8414-30D3BFC8E670}" dt="2021-08-13T02:16:23.153" v="5919" actId="26606"/>
+          <ac:spMkLst>
+            <pc:docMk/>
+            <pc:sldMk cId="3196738654" sldId="276"/>
+            <ac:spMk id="33" creationId="{14002556-A10E-479D-9B30-0C8B7938EF41}"/>
+          </ac:spMkLst>
+        </pc:spChg>
+        <pc:spChg chg="add del">
+          <ac:chgData name="Samantha Perez" userId="e1fe9bba9a09bdeb" providerId="LiveId" clId="{DC7BCD4F-4103-4C18-8414-30D3BFC8E670}" dt="2021-08-13T02:23:35.973" v="5946" actId="26606"/>
+          <ac:spMkLst>
+            <pc:docMk/>
+            <pc:sldMk cId="3196738654" sldId="276"/>
+            <ac:spMk id="34" creationId="{14002556-A10E-479D-9B30-0C8B7938EF41}"/>
+          </ac:spMkLst>
+        </pc:spChg>
+        <pc:spChg chg="add del">
+          <ac:chgData name="Samantha Perez" userId="e1fe9bba9a09bdeb" providerId="LiveId" clId="{DC7BCD4F-4103-4C18-8414-30D3BFC8E670}" dt="2021-08-13T02:16:23.576" v="5921" actId="26606"/>
+          <ac:spMkLst>
+            <pc:docMk/>
+            <pc:sldMk cId="3196738654" sldId="276"/>
+            <ac:spMk id="35" creationId="{022AEB96-A3F8-4EC3-A246-8DAD9319AC20}"/>
+          </ac:spMkLst>
+        </pc:spChg>
+        <pc:spChg chg="add del">
+          <ac:chgData name="Samantha Perez" userId="e1fe9bba9a09bdeb" providerId="LiveId" clId="{DC7BCD4F-4103-4C18-8414-30D3BFC8E670}" dt="2021-08-13T02:16:23.576" v="5921" actId="26606"/>
+          <ac:spMkLst>
+            <pc:docMk/>
+            <pc:sldMk cId="3196738654" sldId="276"/>
+            <ac:spMk id="36" creationId="{14002556-A10E-479D-9B30-0C8B7938EF41}"/>
+          </ac:spMkLst>
+        </pc:spChg>
+        <pc:spChg chg="add del">
+          <ac:chgData name="Samantha Perez" userId="e1fe9bba9a09bdeb" providerId="LiveId" clId="{DC7BCD4F-4103-4C18-8414-30D3BFC8E670}" dt="2021-08-13T02:23:59.431" v="5950" actId="26606"/>
+          <ac:spMkLst>
+            <pc:docMk/>
+            <pc:sldMk cId="3196738654" sldId="276"/>
+            <ac:spMk id="37" creationId="{022AEB96-A3F8-4EC3-A246-8DAD9319AC20}"/>
+          </ac:spMkLst>
+        </pc:spChg>
+        <pc:spChg chg="add del">
+          <ac:chgData name="Samantha Perez" userId="e1fe9bba9a09bdeb" providerId="LiveId" clId="{DC7BCD4F-4103-4C18-8414-30D3BFC8E670}" dt="2021-08-13T02:16:25.038" v="5923" actId="26606"/>
+          <ac:spMkLst>
+            <pc:docMk/>
+            <pc:sldMk cId="3196738654" sldId="276"/>
+            <ac:spMk id="38" creationId="{022AEB96-A3F8-4EC3-A246-8DAD9319AC20}"/>
+          </ac:spMkLst>
+        </pc:spChg>
+        <pc:spChg chg="add del">
+          <ac:chgData name="Samantha Perez" userId="e1fe9bba9a09bdeb" providerId="LiveId" clId="{DC7BCD4F-4103-4C18-8414-30D3BFC8E670}" dt="2021-08-13T02:16:25.038" v="5923" actId="26606"/>
+          <ac:spMkLst>
+            <pc:docMk/>
+            <pc:sldMk cId="3196738654" sldId="276"/>
+            <ac:spMk id="39" creationId="{14002556-A10E-479D-9B30-0C8B7938EF41}"/>
+          </ac:spMkLst>
+        </pc:spChg>
+        <pc:spChg chg="add del">
+          <ac:chgData name="Samantha Perez" userId="e1fe9bba9a09bdeb" providerId="LiveId" clId="{DC7BCD4F-4103-4C18-8414-30D3BFC8E670}" dt="2021-08-13T02:23:59.431" v="5950" actId="26606"/>
+          <ac:spMkLst>
+            <pc:docMk/>
+            <pc:sldMk cId="3196738654" sldId="276"/>
+            <ac:spMk id="40" creationId="{14002556-A10E-479D-9B30-0C8B7938EF41}"/>
+          </ac:spMkLst>
+        </pc:spChg>
+        <pc:spChg chg="add del">
+          <ac:chgData name="Samantha Perez" userId="e1fe9bba9a09bdeb" providerId="LiveId" clId="{DC7BCD4F-4103-4C18-8414-30D3BFC8E670}" dt="2021-08-13T02:16:26.490" v="5925" actId="26606"/>
+          <ac:spMkLst>
+            <pc:docMk/>
+            <pc:sldMk cId="3196738654" sldId="276"/>
+            <ac:spMk id="41" creationId="{022AEB96-A3F8-4EC3-A246-8DAD9319AC20}"/>
+          </ac:spMkLst>
+        </pc:spChg>
+        <pc:spChg chg="add del">
+          <ac:chgData name="Samantha Perez" userId="e1fe9bba9a09bdeb" providerId="LiveId" clId="{DC7BCD4F-4103-4C18-8414-30D3BFC8E670}" dt="2021-08-13T02:16:26.490" v="5925" actId="26606"/>
+          <ac:spMkLst>
+            <pc:docMk/>
+            <pc:sldMk cId="3196738654" sldId="276"/>
+            <ac:spMk id="42" creationId="{14002556-A10E-479D-9B30-0C8B7938EF41}"/>
+          </ac:spMkLst>
+        </pc:spChg>
+        <pc:spChg chg="add del">
+          <ac:chgData name="Samantha Perez" userId="e1fe9bba9a09bdeb" providerId="LiveId" clId="{DC7BCD4F-4103-4C18-8414-30D3BFC8E670}" dt="2021-08-13T02:24:01.358" v="5952" actId="26606"/>
+          <ac:spMkLst>
+            <pc:docMk/>
+            <pc:sldMk cId="3196738654" sldId="276"/>
+            <ac:spMk id="43" creationId="{022AEB96-A3F8-4EC3-A246-8DAD9319AC20}"/>
+          </ac:spMkLst>
+        </pc:spChg>
+        <pc:spChg chg="add del">
+          <ac:chgData name="Samantha Perez" userId="e1fe9bba9a09bdeb" providerId="LiveId" clId="{DC7BCD4F-4103-4C18-8414-30D3BFC8E670}" dt="2021-08-13T02:16:28.231" v="5927" actId="26606"/>
+          <ac:spMkLst>
+            <pc:docMk/>
+            <pc:sldMk cId="3196738654" sldId="276"/>
+            <ac:spMk id="44" creationId="{022AEB96-A3F8-4EC3-A246-8DAD9319AC20}"/>
+          </ac:spMkLst>
+        </pc:spChg>
+        <pc:spChg chg="add del">
+          <ac:chgData name="Samantha Perez" userId="e1fe9bba9a09bdeb" providerId="LiveId" clId="{DC7BCD4F-4103-4C18-8414-30D3BFC8E670}" dt="2021-08-13T02:16:28.231" v="5927" actId="26606"/>
+          <ac:spMkLst>
+            <pc:docMk/>
+            <pc:sldMk cId="3196738654" sldId="276"/>
+            <ac:spMk id="45" creationId="{14002556-A10E-479D-9B30-0C8B7938EF41}"/>
+          </ac:spMkLst>
+        </pc:spChg>
+        <pc:spChg chg="add del">
+          <ac:chgData name="Samantha Perez" userId="e1fe9bba9a09bdeb" providerId="LiveId" clId="{DC7BCD4F-4103-4C18-8414-30D3BFC8E670}" dt="2021-08-13T02:24:01.358" v="5952" actId="26606"/>
+          <ac:spMkLst>
+            <pc:docMk/>
+            <pc:sldMk cId="3196738654" sldId="276"/>
+            <ac:spMk id="46" creationId="{14002556-A10E-479D-9B30-0C8B7938EF41}"/>
+          </ac:spMkLst>
+        </pc:spChg>
+        <pc:spChg chg="add del">
+          <ac:chgData name="Samantha Perez" userId="e1fe9bba9a09bdeb" providerId="LiveId" clId="{DC7BCD4F-4103-4C18-8414-30D3BFC8E670}" dt="2021-08-13T02:16:28.734" v="5929" actId="26606"/>
+          <ac:spMkLst>
+            <pc:docMk/>
+            <pc:sldMk cId="3196738654" sldId="276"/>
+            <ac:spMk id="47" creationId="{022AEB96-A3F8-4EC3-A246-8DAD9319AC20}"/>
+          </ac:spMkLst>
+        </pc:spChg>
+        <pc:spChg chg="add del">
+          <ac:chgData name="Samantha Perez" userId="e1fe9bba9a09bdeb" providerId="LiveId" clId="{DC7BCD4F-4103-4C18-8414-30D3BFC8E670}" dt="2021-08-13T02:16:28.734" v="5929" actId="26606"/>
+          <ac:spMkLst>
+            <pc:docMk/>
+            <pc:sldMk cId="3196738654" sldId="276"/>
+            <ac:spMk id="48" creationId="{14002556-A10E-479D-9B30-0C8B7938EF41}"/>
+          </ac:spMkLst>
+        </pc:spChg>
+        <pc:spChg chg="add del">
+          <ac:chgData name="Samantha Perez" userId="e1fe9bba9a09bdeb" providerId="LiveId" clId="{DC7BCD4F-4103-4C18-8414-30D3BFC8E670}" dt="2021-08-13T02:24:04.619" v="5954" actId="26606"/>
+          <ac:spMkLst>
+            <pc:docMk/>
+            <pc:sldMk cId="3196738654" sldId="276"/>
+            <ac:spMk id="49" creationId="{022AEB96-A3F8-4EC3-A246-8DAD9319AC20}"/>
+          </ac:spMkLst>
+        </pc:spChg>
+        <pc:spChg chg="add del">
+          <ac:chgData name="Samantha Perez" userId="e1fe9bba9a09bdeb" providerId="LiveId" clId="{DC7BCD4F-4103-4C18-8414-30D3BFC8E670}" dt="2021-08-13T02:24:04.619" v="5954" actId="26606"/>
+          <ac:spMkLst>
+            <pc:docMk/>
+            <pc:sldMk cId="3196738654" sldId="276"/>
+            <ac:spMk id="50" creationId="{14002556-A10E-479D-9B30-0C8B7938EF41}"/>
+          </ac:spMkLst>
+        </pc:spChg>
+        <pc:spChg chg="add del">
+          <ac:chgData name="Samantha Perez" userId="e1fe9bba9a09bdeb" providerId="LiveId" clId="{DC7BCD4F-4103-4C18-8414-30D3BFC8E670}" dt="2021-08-13T02:24:06.594" v="5956" actId="26606"/>
+          <ac:spMkLst>
+            <pc:docMk/>
+            <pc:sldMk cId="3196738654" sldId="276"/>
+            <ac:spMk id="52" creationId="{022AEB96-A3F8-4EC3-A246-8DAD9319AC20}"/>
+          </ac:spMkLst>
+        </pc:spChg>
+        <pc:spChg chg="add del">
+          <ac:chgData name="Samantha Perez" userId="e1fe9bba9a09bdeb" providerId="LiveId" clId="{DC7BCD4F-4103-4C18-8414-30D3BFC8E670}" dt="2021-08-13T02:24:06.594" v="5956" actId="26606"/>
+          <ac:spMkLst>
+            <pc:docMk/>
+            <pc:sldMk cId="3196738654" sldId="276"/>
+            <ac:spMk id="53" creationId="{14002556-A10E-479D-9B30-0C8B7938EF41}"/>
+          </ac:spMkLst>
+        </pc:spChg>
+        <pc:spChg chg="add">
+          <ac:chgData name="Samantha Perez" userId="e1fe9bba9a09bdeb" providerId="LiveId" clId="{DC7BCD4F-4103-4C18-8414-30D3BFC8E670}" dt="2021-08-13T02:24:06.618" v="5957" actId="26606"/>
+          <ac:spMkLst>
+            <pc:docMk/>
+            <pc:sldMk cId="3196738654" sldId="276"/>
+            <ac:spMk id="55" creationId="{022AEB96-A3F8-4EC3-A246-8DAD9319AC20}"/>
+          </ac:spMkLst>
+        </pc:spChg>
+        <pc:spChg chg="add">
+          <ac:chgData name="Samantha Perez" userId="e1fe9bba9a09bdeb" providerId="LiveId" clId="{DC7BCD4F-4103-4C18-8414-30D3BFC8E670}" dt="2021-08-13T02:24:06.618" v="5957" actId="26606"/>
+          <ac:spMkLst>
+            <pc:docMk/>
+            <pc:sldMk cId="3196738654" sldId="276"/>
+            <ac:spMk id="56" creationId="{14002556-A10E-479D-9B30-0C8B7938EF41}"/>
+          </ac:spMkLst>
+        </pc:spChg>
+        <pc:graphicFrameChg chg="add mod modGraphic">
+          <ac:chgData name="Samantha Perez" userId="e1fe9bba9a09bdeb" providerId="LiveId" clId="{DC7BCD4F-4103-4C18-8414-30D3BFC8E670}" dt="2021-08-13T02:24:06.618" v="5957" actId="26606"/>
           <ac:graphicFrameMkLst>
             <pc:docMk/>
             <pc:sldMk cId="3196738654" sldId="276"/>
@@ -958,8 +1198,8 @@
             <ac:picMk id="5" creationId="{D5F6873D-BFC8-AB41-88B9-5689722B12F1}"/>
           </ac:picMkLst>
         </pc:picChg>
-        <pc:picChg chg="add mod">
-          <ac:chgData name="Samantha Perez" userId="e1fe9bba9a09bdeb" providerId="LiveId" clId="{DC7BCD4F-4103-4C18-8414-30D3BFC8E670}" dt="2021-08-12T19:57:42.581" v="5619" actId="26606"/>
+        <pc:picChg chg="add mod ord">
+          <ac:chgData name="Samantha Perez" userId="e1fe9bba9a09bdeb" providerId="LiveId" clId="{DC7BCD4F-4103-4C18-8414-30D3BFC8E670}" dt="2021-08-13T02:24:06.618" v="5957" actId="26606"/>
           <ac:picMkLst>
             <pc:docMk/>
             <pc:sldMk cId="3196738654" sldId="276"/>
@@ -1114,18 +1354,18 @@
 </file>
 
 <file path=ppt/diagrams/colors1.xml><?xml version="1.0" encoding="utf-8"?>
-<dgm:colorsDef xmlns:dgm="http://schemas.openxmlformats.org/drawingml/2006/diagram" xmlns:a="http://schemas.openxmlformats.org/drawingml/2006/main" uniqueId="urn:microsoft.com/office/officeart/2005/8/colors/accent1_2">
+<dgm:colorsDef xmlns:dgm="http://schemas.openxmlformats.org/drawingml/2006/diagram" xmlns:a="http://schemas.openxmlformats.org/drawingml/2006/main" uniqueId="urn:microsoft.com/office/officeart/2005/8/colors/accent0_3">
   <dgm:title val=""/>
   <dgm:desc val=""/>
   <dgm:catLst>
-    <dgm:cat type="accent1" pri="11200"/>
+    <dgm:cat type="mainScheme" pri="10300"/>
   </dgm:catLst>
   <dgm:styleLbl name="node0">
     <dgm:fillClrLst meth="repeat">
-      <a:schemeClr val="accent1"/>
+      <a:schemeClr val="dk2"/>
     </dgm:fillClrLst>
     <dgm:linClrLst meth="repeat">
-      <a:schemeClr val="lt1"/>
+      <a:schemeClr val="lt2"/>
     </dgm:linClrLst>
     <dgm:effectClrLst/>
     <dgm:txLinClrLst/>
@@ -1134,10 +1374,10 @@
   </dgm:styleLbl>
   <dgm:styleLbl name="alignNode1">
     <dgm:fillClrLst meth="repeat">
-      <a:schemeClr val="accent1"/>
+      <a:schemeClr val="dk2"/>
     </dgm:fillClrLst>
     <dgm:linClrLst meth="repeat">
-      <a:schemeClr val="accent1"/>
+      <a:schemeClr val="dk2"/>
     </dgm:linClrLst>
     <dgm:effectClrLst/>
     <dgm:txLinClrLst/>
@@ -1146,10 +1386,10 @@
   </dgm:styleLbl>
   <dgm:styleLbl name="node1">
     <dgm:fillClrLst meth="repeat">
-      <a:schemeClr val="accent1"/>
+      <a:schemeClr val="dk2"/>
     </dgm:fillClrLst>
     <dgm:linClrLst meth="repeat">
-      <a:schemeClr val="lt1"/>
+      <a:schemeClr val="lt2"/>
     </dgm:linClrLst>
     <dgm:effectClrLst/>
     <dgm:txLinClrLst/>
@@ -1158,10 +1398,10 @@
   </dgm:styleLbl>
   <dgm:styleLbl name="lnNode1">
     <dgm:fillClrLst meth="repeat">
-      <a:schemeClr val="accent1"/>
+      <a:schemeClr val="dk2"/>
     </dgm:fillClrLst>
     <dgm:linClrLst meth="repeat">
-      <a:schemeClr val="lt1"/>
+      <a:schemeClr val="lt2"/>
     </dgm:linClrLst>
     <dgm:effectClrLst/>
     <dgm:txLinClrLst/>
@@ -1170,12 +1410,12 @@
   </dgm:styleLbl>
   <dgm:styleLbl name="vennNode1">
     <dgm:fillClrLst meth="repeat">
-      <a:schemeClr val="accent1">
+      <a:schemeClr val="dk2">
         <a:alpha val="50000"/>
       </a:schemeClr>
     </dgm:fillClrLst>
     <dgm:linClrLst meth="repeat">
-      <a:schemeClr val="lt1"/>
+      <a:schemeClr val="lt2"/>
     </dgm:linClrLst>
     <dgm:effectClrLst/>
     <dgm:txLinClrLst/>
@@ -1184,10 +1424,10 @@
   </dgm:styleLbl>
   <dgm:styleLbl name="node2">
     <dgm:fillClrLst meth="repeat">
-      <a:schemeClr val="accent1"/>
+      <a:schemeClr val="dk2"/>
     </dgm:fillClrLst>
     <dgm:linClrLst meth="repeat">
-      <a:schemeClr val="lt1"/>
+      <a:schemeClr val="lt2"/>
     </dgm:linClrLst>
     <dgm:effectClrLst/>
     <dgm:txLinClrLst/>
@@ -1196,10 +1436,10 @@
   </dgm:styleLbl>
   <dgm:styleLbl name="node3">
     <dgm:fillClrLst meth="repeat">
-      <a:schemeClr val="accent1"/>
+      <a:schemeClr val="dk2"/>
     </dgm:fillClrLst>
     <dgm:linClrLst meth="repeat">
-      <a:schemeClr val="lt1"/>
+      <a:schemeClr val="lt2"/>
     </dgm:linClrLst>
     <dgm:effectClrLst/>
     <dgm:txLinClrLst/>
@@ -1208,10 +1448,10 @@
   </dgm:styleLbl>
   <dgm:styleLbl name="node4">
     <dgm:fillClrLst meth="repeat">
-      <a:schemeClr val="accent1"/>
+      <a:schemeClr val="dk2"/>
     </dgm:fillClrLst>
     <dgm:linClrLst meth="repeat">
-      <a:schemeClr val="lt1"/>
+      <a:schemeClr val="lt2"/>
     </dgm:linClrLst>
     <dgm:effectClrLst/>
     <dgm:txLinClrLst/>
@@ -1220,60 +1460,64 @@
   </dgm:styleLbl>
   <dgm:styleLbl name="fgImgPlace1">
     <dgm:fillClrLst meth="repeat">
-      <a:schemeClr val="accent1">
+      <a:schemeClr val="dk2">
         <a:tint val="50000"/>
       </a:schemeClr>
     </dgm:fillClrLst>
     <dgm:linClrLst meth="repeat">
-      <a:schemeClr val="lt1"/>
+      <a:schemeClr val="lt2"/>
     </dgm:linClrLst>
     <dgm:effectClrLst/>
     <dgm:txLinClrLst/>
     <dgm:txFillClrLst meth="repeat">
-      <a:schemeClr val="lt1"/>
+      <a:schemeClr val="lt2"/>
     </dgm:txFillClrLst>
     <dgm:txEffectClrLst/>
   </dgm:styleLbl>
   <dgm:styleLbl name="alignImgPlace1">
     <dgm:fillClrLst meth="repeat">
-      <a:schemeClr val="accent1">
+      <a:schemeClr val="dk2">
         <a:tint val="50000"/>
       </a:schemeClr>
     </dgm:fillClrLst>
     <dgm:linClrLst meth="repeat">
-      <a:schemeClr val="lt1"/>
+      <a:schemeClr val="dk2">
+        <a:shade val="80000"/>
+      </a:schemeClr>
     </dgm:linClrLst>
     <dgm:effectClrLst/>
     <dgm:txLinClrLst/>
     <dgm:txFillClrLst meth="repeat">
-      <a:schemeClr val="lt1"/>
+      <a:schemeClr val="lt2"/>
     </dgm:txFillClrLst>
     <dgm:txEffectClrLst/>
   </dgm:styleLbl>
   <dgm:styleLbl name="bgImgPlace1">
     <dgm:fillClrLst meth="repeat">
-      <a:schemeClr val="accent1">
+      <a:schemeClr val="dk2">
         <a:tint val="50000"/>
       </a:schemeClr>
     </dgm:fillClrLst>
     <dgm:linClrLst meth="repeat">
-      <a:schemeClr val="lt1"/>
+      <a:schemeClr val="dk2">
+        <a:shade val="80000"/>
+      </a:schemeClr>
     </dgm:linClrLst>
     <dgm:effectClrLst/>
     <dgm:txLinClrLst/>
     <dgm:txFillClrLst meth="repeat">
-      <a:schemeClr val="lt1"/>
+      <a:schemeClr val="lt2"/>
     </dgm:txFillClrLst>
     <dgm:txEffectClrLst/>
   </dgm:styleLbl>
   <dgm:styleLbl name="sibTrans2D1">
     <dgm:fillClrLst meth="repeat">
-      <a:schemeClr val="accent1">
+      <a:schemeClr val="dk2">
         <a:tint val="60000"/>
       </a:schemeClr>
     </dgm:fillClrLst>
     <dgm:linClrLst meth="repeat">
-      <a:schemeClr val="accent1">
+      <a:schemeClr val="dk2">
         <a:tint val="60000"/>
       </a:schemeClr>
     </dgm:linClrLst>
@@ -1284,12 +1528,12 @@
   </dgm:styleLbl>
   <dgm:styleLbl name="fgSibTrans2D1">
     <dgm:fillClrLst meth="repeat">
-      <a:schemeClr val="accent1">
+      <a:schemeClr val="dk2">
         <a:tint val="60000"/>
       </a:schemeClr>
     </dgm:fillClrLst>
     <dgm:linClrLst meth="repeat">
-      <a:schemeClr val="accent1">
+      <a:schemeClr val="dk2">
         <a:tint val="60000"/>
       </a:schemeClr>
     </dgm:linClrLst>
@@ -1300,12 +1544,12 @@
   </dgm:styleLbl>
   <dgm:styleLbl name="bgSibTrans2D1">
     <dgm:fillClrLst meth="repeat">
-      <a:schemeClr val="accent1">
+      <a:schemeClr val="dk2">
         <a:tint val="60000"/>
       </a:schemeClr>
     </dgm:fillClrLst>
     <dgm:linClrLst meth="repeat">
-      <a:schemeClr val="accent1">
+      <a:schemeClr val="dk2">
         <a:tint val="60000"/>
       </a:schemeClr>
     </dgm:linClrLst>
@@ -1316,40 +1560,40 @@
   </dgm:styleLbl>
   <dgm:styleLbl name="sibTrans1D1">
     <dgm:fillClrLst meth="repeat">
-      <a:schemeClr val="accent1"/>
+      <a:schemeClr val="dk2"/>
     </dgm:fillClrLst>
     <dgm:linClrLst meth="repeat">
-      <a:schemeClr val="accent1"/>
+      <a:schemeClr val="dk2"/>
     </dgm:linClrLst>
     <dgm:effectClrLst/>
     <dgm:txLinClrLst/>
     <dgm:txFillClrLst meth="repeat">
-      <a:schemeClr val="tx1"/>
+      <a:schemeClr val="lt2"/>
     </dgm:txFillClrLst>
     <dgm:txEffectClrLst/>
   </dgm:styleLbl>
   <dgm:styleLbl name="callout">
     <dgm:fillClrLst meth="repeat">
-      <a:schemeClr val="accent1"/>
+      <a:schemeClr val="dk2"/>
     </dgm:fillClrLst>
     <dgm:linClrLst meth="repeat">
-      <a:schemeClr val="accent1">
+      <a:schemeClr val="dk2">
         <a:tint val="50000"/>
       </a:schemeClr>
     </dgm:linClrLst>
     <dgm:effectClrLst/>
     <dgm:txLinClrLst/>
     <dgm:txFillClrLst meth="repeat">
-      <a:schemeClr val="tx1"/>
+      <a:schemeClr val="lt2"/>
     </dgm:txFillClrLst>
     <dgm:txEffectClrLst/>
   </dgm:styleLbl>
   <dgm:styleLbl name="asst0">
     <dgm:fillClrLst meth="repeat">
-      <a:schemeClr val="accent1"/>
+      <a:schemeClr val="dk2"/>
     </dgm:fillClrLst>
     <dgm:linClrLst meth="repeat">
-      <a:schemeClr val="lt1"/>
+      <a:schemeClr val="lt2"/>
     </dgm:linClrLst>
     <dgm:effectClrLst/>
     <dgm:txLinClrLst/>
@@ -1358,10 +1602,10 @@
   </dgm:styleLbl>
   <dgm:styleLbl name="asst1">
     <dgm:fillClrLst meth="repeat">
-      <a:schemeClr val="accent1"/>
+      <a:schemeClr val="dk2"/>
     </dgm:fillClrLst>
     <dgm:linClrLst meth="repeat">
-      <a:schemeClr val="lt1"/>
+      <a:schemeClr val="lt2"/>
     </dgm:linClrLst>
     <dgm:effectClrLst/>
     <dgm:txLinClrLst/>
@@ -1370,10 +1614,10 @@
   </dgm:styleLbl>
   <dgm:styleLbl name="asst2">
     <dgm:fillClrLst meth="repeat">
-      <a:schemeClr val="accent1"/>
+      <a:schemeClr val="dk2"/>
     </dgm:fillClrLst>
     <dgm:linClrLst meth="repeat">
-      <a:schemeClr val="lt1"/>
+      <a:schemeClr val="lt2"/>
     </dgm:linClrLst>
     <dgm:effectClrLst/>
     <dgm:txLinClrLst/>
@@ -1382,10 +1626,10 @@
   </dgm:styleLbl>
   <dgm:styleLbl name="asst3">
     <dgm:fillClrLst meth="repeat">
-      <a:schemeClr val="accent1"/>
+      <a:schemeClr val="dk2"/>
     </dgm:fillClrLst>
     <dgm:linClrLst meth="repeat">
-      <a:schemeClr val="lt1"/>
+      <a:schemeClr val="lt2"/>
     </dgm:linClrLst>
     <dgm:effectClrLst/>
     <dgm:txLinClrLst/>
@@ -1394,10 +1638,10 @@
   </dgm:styleLbl>
   <dgm:styleLbl name="asst4">
     <dgm:fillClrLst meth="repeat">
-      <a:schemeClr val="accent1"/>
+      <a:schemeClr val="dk2"/>
     </dgm:fillClrLst>
     <dgm:linClrLst meth="repeat">
-      <a:schemeClr val="lt1"/>
+      <a:schemeClr val="lt2"/>
     </dgm:linClrLst>
     <dgm:effectClrLst/>
     <dgm:txLinClrLst/>
@@ -1406,70 +1650,70 @@
   </dgm:styleLbl>
   <dgm:styleLbl name="parChTrans2D1">
     <dgm:fillClrLst meth="repeat">
-      <a:schemeClr val="accent1">
+      <a:schemeClr val="dk2">
         <a:tint val="60000"/>
       </a:schemeClr>
     </dgm:fillClrLst>
     <dgm:linClrLst meth="repeat">
-      <a:schemeClr val="accent1">
+      <a:schemeClr val="dk2">
         <a:tint val="60000"/>
       </a:schemeClr>
     </dgm:linClrLst>
     <dgm:effectClrLst/>
     <dgm:txLinClrLst/>
     <dgm:txFillClrLst meth="repeat">
-      <a:schemeClr val="lt1"/>
+      <a:schemeClr val="lt2"/>
     </dgm:txFillClrLst>
     <dgm:txEffectClrLst/>
   </dgm:styleLbl>
   <dgm:styleLbl name="parChTrans2D2">
     <dgm:fillClrLst meth="repeat">
-      <a:schemeClr val="accent1"/>
+      <a:schemeClr val="dk2"/>
     </dgm:fillClrLst>
     <dgm:linClrLst meth="repeat">
-      <a:schemeClr val="accent1"/>
+      <a:schemeClr val="dk2"/>
     </dgm:linClrLst>
     <dgm:effectClrLst/>
     <dgm:txLinClrLst/>
     <dgm:txFillClrLst meth="repeat">
-      <a:schemeClr val="lt1"/>
+      <a:schemeClr val="lt2"/>
     </dgm:txFillClrLst>
     <dgm:txEffectClrLst/>
   </dgm:styleLbl>
   <dgm:styleLbl name="parChTrans2D3">
     <dgm:fillClrLst meth="repeat">
-      <a:schemeClr val="accent1"/>
+      <a:schemeClr val="dk2"/>
     </dgm:fillClrLst>
     <dgm:linClrLst meth="repeat">
-      <a:schemeClr val="accent1"/>
+      <a:schemeClr val="dk2"/>
     </dgm:linClrLst>
     <dgm:effectClrLst/>
     <dgm:txLinClrLst/>
     <dgm:txFillClrLst meth="repeat">
-      <a:schemeClr val="lt1"/>
+      <a:schemeClr val="lt2"/>
     </dgm:txFillClrLst>
     <dgm:txEffectClrLst/>
   </dgm:styleLbl>
   <dgm:styleLbl name="parChTrans2D4">
     <dgm:fillClrLst meth="repeat">
-      <a:schemeClr val="accent1"/>
+      <a:schemeClr val="dk2"/>
     </dgm:fillClrLst>
     <dgm:linClrLst meth="repeat">
-      <a:schemeClr val="accent1"/>
+      <a:schemeClr val="dk2"/>
     </dgm:linClrLst>
     <dgm:effectClrLst/>
     <dgm:txLinClrLst/>
     <dgm:txFillClrLst meth="repeat">
-      <a:schemeClr val="lt1"/>
+      <a:schemeClr val="lt2"/>
     </dgm:txFillClrLst>
     <dgm:txEffectClrLst/>
   </dgm:styleLbl>
   <dgm:styleLbl name="parChTrans1D1">
     <dgm:fillClrLst meth="repeat">
-      <a:schemeClr val="accent1"/>
+      <a:schemeClr val="dk2"/>
     </dgm:fillClrLst>
     <dgm:linClrLst meth="repeat">
-      <a:schemeClr val="accent1">
+      <a:schemeClr val="dk2">
         <a:shade val="60000"/>
       </a:schemeClr>
     </dgm:linClrLst>
@@ -1482,10 +1726,10 @@
   </dgm:styleLbl>
   <dgm:styleLbl name="parChTrans1D2">
     <dgm:fillClrLst meth="repeat">
-      <a:schemeClr val="accent1"/>
+      <a:schemeClr val="dk2"/>
     </dgm:fillClrLst>
     <dgm:linClrLst meth="repeat">
-      <a:schemeClr val="accent1">
+      <a:schemeClr val="dk2">
         <a:shade val="60000"/>
       </a:schemeClr>
     </dgm:linClrLst>
@@ -1498,10 +1742,10 @@
   </dgm:styleLbl>
   <dgm:styleLbl name="parChTrans1D3">
     <dgm:fillClrLst meth="repeat">
-      <a:schemeClr val="accent1"/>
+      <a:schemeClr val="dk2"/>
     </dgm:fillClrLst>
     <dgm:linClrLst meth="repeat">
-      <a:schemeClr val="accent1">
+      <a:schemeClr val="dk2">
         <a:shade val="80000"/>
       </a:schemeClr>
     </dgm:linClrLst>
@@ -1514,10 +1758,10 @@
   </dgm:styleLbl>
   <dgm:styleLbl name="parChTrans1D4">
     <dgm:fillClrLst meth="repeat">
-      <a:schemeClr val="accent1"/>
+      <a:schemeClr val="dk2"/>
     </dgm:fillClrLst>
     <dgm:linClrLst meth="repeat">
-      <a:schemeClr val="accent1">
+      <a:schemeClr val="dk2">
         <a:shade val="80000"/>
       </a:schemeClr>
     </dgm:linClrLst>
@@ -1530,12 +1774,12 @@
   </dgm:styleLbl>
   <dgm:styleLbl name="fgAcc1">
     <dgm:fillClrLst meth="repeat">
-      <a:schemeClr val="lt1">
+      <a:schemeClr val="lt2">
         <a:alpha val="90000"/>
       </a:schemeClr>
     </dgm:fillClrLst>
     <dgm:linClrLst meth="repeat">
-      <a:schemeClr val="accent1"/>
+      <a:schemeClr val="dk2"/>
     </dgm:linClrLst>
     <dgm:effectClrLst/>
     <dgm:txLinClrLst/>
@@ -1546,12 +1790,12 @@
   </dgm:styleLbl>
   <dgm:styleLbl name="conFgAcc1">
     <dgm:fillClrLst meth="repeat">
-      <a:schemeClr val="lt1">
+      <a:schemeClr val="lt2">
         <a:alpha val="90000"/>
       </a:schemeClr>
     </dgm:fillClrLst>
     <dgm:linClrLst meth="repeat">
-      <a:schemeClr val="accent1"/>
+      <a:schemeClr val="dk2"/>
     </dgm:linClrLst>
     <dgm:effectClrLst/>
     <dgm:txLinClrLst/>
@@ -1562,12 +1806,12 @@
   </dgm:styleLbl>
   <dgm:styleLbl name="alignAcc1">
     <dgm:fillClrLst meth="repeat">
-      <a:schemeClr val="lt1">
+      <a:schemeClr val="lt2">
         <a:alpha val="90000"/>
       </a:schemeClr>
     </dgm:fillClrLst>
     <dgm:linClrLst meth="repeat">
-      <a:schemeClr val="accent1"/>
+      <a:schemeClr val="dk2"/>
     </dgm:linClrLst>
     <dgm:effectClrLst/>
     <dgm:txLinClrLst/>
@@ -1578,12 +1822,12 @@
   </dgm:styleLbl>
   <dgm:styleLbl name="trAlignAcc1">
     <dgm:fillClrLst meth="repeat">
-      <a:schemeClr val="lt1">
+      <a:schemeClr val="lt2">
         <a:alpha val="40000"/>
       </a:schemeClr>
     </dgm:fillClrLst>
     <dgm:linClrLst meth="repeat">
-      <a:schemeClr val="accent1"/>
+      <a:schemeClr val="dk2"/>
     </dgm:linClrLst>
     <dgm:effectClrLst/>
     <dgm:txLinClrLst/>
@@ -1594,12 +1838,12 @@
   </dgm:styleLbl>
   <dgm:styleLbl name="bgAcc1">
     <dgm:fillClrLst meth="repeat">
-      <a:schemeClr val="lt1">
+      <a:schemeClr val="lt2">
         <a:alpha val="90000"/>
       </a:schemeClr>
     </dgm:fillClrLst>
     <dgm:linClrLst meth="repeat">
-      <a:schemeClr val="accent1"/>
+      <a:schemeClr val="dk2"/>
     </dgm:linClrLst>
     <dgm:effectClrLst/>
     <dgm:txLinClrLst/>
@@ -1610,10 +1854,10 @@
   </dgm:styleLbl>
   <dgm:styleLbl name="solidFgAcc1">
     <dgm:fillClrLst meth="repeat">
-      <a:schemeClr val="lt1"/>
+      <a:schemeClr val="lt2"/>
     </dgm:fillClrLst>
     <dgm:linClrLst meth="repeat">
-      <a:schemeClr val="accent1"/>
+      <a:schemeClr val="dk2"/>
     </dgm:linClrLst>
     <dgm:effectClrLst/>
     <dgm:txLinClrLst/>
@@ -1624,10 +1868,10 @@
   </dgm:styleLbl>
   <dgm:styleLbl name="solidAlignAcc1">
     <dgm:fillClrLst meth="repeat">
-      <a:schemeClr val="lt1"/>
+      <a:schemeClr val="lt2"/>
     </dgm:fillClrLst>
     <dgm:linClrLst meth="repeat">
-      <a:schemeClr val="accent1"/>
+      <a:schemeClr val="dk2"/>
     </dgm:linClrLst>
     <dgm:effectClrLst/>
     <dgm:txLinClrLst/>
@@ -1638,10 +1882,10 @@
   </dgm:styleLbl>
   <dgm:styleLbl name="solidBgAcc1">
     <dgm:fillClrLst meth="repeat">
-      <a:schemeClr val="lt1"/>
+      <a:schemeClr val="lt2"/>
     </dgm:fillClrLst>
     <dgm:linClrLst meth="repeat">
-      <a:schemeClr val="accent1"/>
+      <a:schemeClr val="dk2"/>
     </dgm:linClrLst>
     <dgm:effectClrLst/>
     <dgm:txLinClrLst/>
@@ -1652,13 +1896,13 @@
   </dgm:styleLbl>
   <dgm:styleLbl name="fgAccFollowNode1">
     <dgm:fillClrLst meth="repeat">
-      <a:schemeClr val="accent1">
+      <a:schemeClr val="dk2">
         <a:alpha val="90000"/>
         <a:tint val="40000"/>
       </a:schemeClr>
     </dgm:fillClrLst>
     <dgm:linClrLst meth="repeat">
-      <a:schemeClr val="accent1">
+      <a:schemeClr val="dk2">
         <a:alpha val="90000"/>
         <a:tint val="40000"/>
       </a:schemeClr>
@@ -1672,13 +1916,13 @@
   </dgm:styleLbl>
   <dgm:styleLbl name="alignAccFollowNode1">
     <dgm:fillClrLst meth="repeat">
-      <a:schemeClr val="accent1">
+      <a:schemeClr val="dk2">
         <a:alpha val="90000"/>
         <a:tint val="40000"/>
       </a:schemeClr>
     </dgm:fillClrLst>
     <dgm:linClrLst meth="repeat">
-      <a:schemeClr val="accent1">
+      <a:schemeClr val="dk2">
         <a:alpha val="90000"/>
         <a:tint val="40000"/>
       </a:schemeClr>
@@ -1692,13 +1936,13 @@
   </dgm:styleLbl>
   <dgm:styleLbl name="bgAccFollowNode1">
     <dgm:fillClrLst meth="repeat">
-      <a:schemeClr val="accent1">
+      <a:schemeClr val="dk2">
         <a:alpha val="90000"/>
         <a:tint val="40000"/>
       </a:schemeClr>
     </dgm:fillClrLst>
     <dgm:linClrLst meth="repeat">
-      <a:schemeClr val="accent1">
+      <a:schemeClr val="dk2">
         <a:alpha val="90000"/>
         <a:tint val="40000"/>
       </a:schemeClr>
@@ -1712,12 +1956,12 @@
   </dgm:styleLbl>
   <dgm:styleLbl name="fgAcc0">
     <dgm:fillClrLst meth="repeat">
-      <a:schemeClr val="lt1">
+      <a:schemeClr val="lt2">
         <a:alpha val="90000"/>
       </a:schemeClr>
     </dgm:fillClrLst>
     <dgm:linClrLst meth="repeat">
-      <a:schemeClr val="accent1"/>
+      <a:schemeClr val="dk2"/>
     </dgm:linClrLst>
     <dgm:effectClrLst/>
     <dgm:txLinClrLst/>
@@ -1728,12 +1972,12 @@
   </dgm:styleLbl>
   <dgm:styleLbl name="fgAcc2">
     <dgm:fillClrLst meth="repeat">
-      <a:schemeClr val="lt1">
+      <a:schemeClr val="lt2">
         <a:alpha val="90000"/>
       </a:schemeClr>
     </dgm:fillClrLst>
     <dgm:linClrLst meth="repeat">
-      <a:schemeClr val="accent1"/>
+      <a:schemeClr val="dk2"/>
     </dgm:linClrLst>
     <dgm:effectClrLst/>
     <dgm:txLinClrLst/>
@@ -1744,12 +1988,12 @@
   </dgm:styleLbl>
   <dgm:styleLbl name="fgAcc3">
     <dgm:fillClrLst meth="repeat">
-      <a:schemeClr val="lt1">
+      <a:schemeClr val="lt2">
         <a:alpha val="90000"/>
       </a:schemeClr>
     </dgm:fillClrLst>
     <dgm:linClrLst meth="repeat">
-      <a:schemeClr val="accent1"/>
+      <a:schemeClr val="dk2"/>
     </dgm:linClrLst>
     <dgm:effectClrLst/>
     <dgm:txLinClrLst/>
@@ -1760,12 +2004,12 @@
   </dgm:styleLbl>
   <dgm:styleLbl name="fgAcc4">
     <dgm:fillClrLst meth="repeat">
-      <a:schemeClr val="lt1">
+      <a:schemeClr val="lt2">
         <a:alpha val="90000"/>
       </a:schemeClr>
     </dgm:fillClrLst>
     <dgm:linClrLst meth="repeat">
-      <a:schemeClr val="accent1"/>
+      <a:schemeClr val="dk2"/>
     </dgm:linClrLst>
     <dgm:effectClrLst/>
     <dgm:txLinClrLst/>
@@ -1776,12 +2020,12 @@
   </dgm:styleLbl>
   <dgm:styleLbl name="bgShp">
     <dgm:fillClrLst meth="repeat">
-      <a:schemeClr val="accent1">
+      <a:schemeClr val="dk2">
         <a:tint val="40000"/>
       </a:schemeClr>
     </dgm:fillClrLst>
     <dgm:linClrLst meth="repeat">
-      <a:schemeClr val="accent1"/>
+      <a:schemeClr val="dk2"/>
     </dgm:linClrLst>
     <dgm:effectClrLst/>
     <dgm:txLinClrLst/>
@@ -1792,12 +2036,12 @@
   </dgm:styleLbl>
   <dgm:styleLbl name="dkBgShp">
     <dgm:fillClrLst meth="repeat">
-      <a:schemeClr val="accent1">
+      <a:schemeClr val="dk2">
         <a:shade val="80000"/>
       </a:schemeClr>
     </dgm:fillClrLst>
     <dgm:linClrLst meth="repeat">
-      <a:schemeClr val="accent1"/>
+      <a:schemeClr val="dk2"/>
     </dgm:linClrLst>
     <dgm:effectClrLst/>
     <dgm:txLinClrLst/>
@@ -1808,13 +2052,13 @@
   </dgm:styleLbl>
   <dgm:styleLbl name="trBgShp">
     <dgm:fillClrLst meth="repeat">
-      <a:schemeClr val="accent1">
+      <a:schemeClr val="dk2">
         <a:tint val="50000"/>
         <a:alpha val="40000"/>
       </a:schemeClr>
     </dgm:fillClrLst>
     <dgm:linClrLst meth="repeat">
-      <a:schemeClr val="accent1"/>
+      <a:schemeClr val="dk2"/>
     </dgm:linClrLst>
     <dgm:effectClrLst/>
     <dgm:txLinClrLst/>
@@ -1825,12 +2069,12 @@
   </dgm:styleLbl>
   <dgm:styleLbl name="fgShp">
     <dgm:fillClrLst meth="repeat">
-      <a:schemeClr val="accent1">
+      <a:schemeClr val="dk2">
         <a:tint val="60000"/>
       </a:schemeClr>
     </dgm:fillClrLst>
     <dgm:linClrLst meth="repeat">
-      <a:schemeClr val="lt1"/>
+      <a:schemeClr val="lt2"/>
     </dgm:linClrLst>
     <dgm:effectClrLst/>
     <dgm:txLinClrLst/>
@@ -1841,7 +2085,7 @@
   </dgm:styleLbl>
   <dgm:styleLbl name="revTx">
     <dgm:fillClrLst meth="repeat">
-      <a:schemeClr val="lt1">
+      <a:schemeClr val="lt2">
         <a:alpha val="0"/>
       </a:schemeClr>
     </dgm:fillClrLst>
@@ -1864,7 +2108,7 @@
 <dgm:dataModel xmlns:dgm="http://schemas.openxmlformats.org/drawingml/2006/diagram" xmlns:a="http://schemas.openxmlformats.org/drawingml/2006/main">
   <dgm:ptLst>
     <dgm:pt modelId="{FD6EDA08-C638-4A62-A8DA-273A60758E9C}" type="doc">
-      <dgm:prSet loTypeId="urn:microsoft.com/office/officeart/2005/8/layout/hProcess9" loCatId="process" qsTypeId="urn:microsoft.com/office/officeart/2005/8/quickstyle/simple1" qsCatId="simple" csTypeId="urn:microsoft.com/office/officeart/2005/8/colors/accent1_2" csCatId="accent1"/>
+      <dgm:prSet loTypeId="urn:microsoft.com/office/officeart/2016/7/layout/BasicLinearProcessNumbered" loCatId="process" qsTypeId="urn:microsoft.com/office/officeart/2005/8/quickstyle/simple1" qsCatId="simple" csTypeId="urn:microsoft.com/office/officeart/2005/8/colors/accent0_3" csCatId="mainScheme"/>
       <dgm:spPr/>
       <dgm:t>
         <a:bodyPr/>
@@ -1900,13 +2144,16 @@
       </dgm:t>
     </dgm:pt>
     <dgm:pt modelId="{3F2C764F-FB0F-4E0D-9531-D23966C9E707}" type="sibTrans" cxnId="{32962DBE-12A3-4C67-A782-B4A4BE9B4586}">
-      <dgm:prSet/>
+      <dgm:prSet phldrT="1"/>
       <dgm:spPr/>
       <dgm:t>
         <a:bodyPr/>
         <a:lstStyle/>
         <a:p>
-          <a:endParaRPr lang="en-US"/>
+          <a:r>
+            <a:rPr lang="en-US"/>
+            <a:t>1</a:t>
+          </a:r>
         </a:p>
       </dgm:t>
     </dgm:pt>
@@ -1936,13 +2183,16 @@
       </dgm:t>
     </dgm:pt>
     <dgm:pt modelId="{3E328FAB-086C-45AB-B35C-B54A40BCFA99}" type="sibTrans" cxnId="{9E0FA3E4-E113-4860-8A98-DCE9305CB805}">
-      <dgm:prSet/>
+      <dgm:prSet phldrT="2"/>
       <dgm:spPr/>
       <dgm:t>
         <a:bodyPr/>
         <a:lstStyle/>
         <a:p>
-          <a:endParaRPr lang="en-US"/>
+          <a:r>
+            <a:rPr lang="en-US"/>
+            <a:t>2</a:t>
+          </a:r>
         </a:p>
       </dgm:t>
     </dgm:pt>
@@ -1977,13 +2227,16 @@
       </dgm:t>
     </dgm:pt>
     <dgm:pt modelId="{89DF8C19-EEEA-4225-95E8-6A3A0C98781D}" type="sibTrans" cxnId="{83BC895E-99AF-47D9-8420-000F58622EE5}">
-      <dgm:prSet/>
+      <dgm:prSet phldrT="3"/>
       <dgm:spPr/>
       <dgm:t>
         <a:bodyPr/>
         <a:lstStyle/>
         <a:p>
-          <a:endParaRPr lang="en-US"/>
+          <a:r>
+            <a:rPr lang="en-US"/>
+            <a:t>3</a:t>
+          </a:r>
         </a:p>
       </dgm:t>
     </dgm:pt>
@@ -2013,71 +2266,174 @@
       </dgm:t>
     </dgm:pt>
     <dgm:pt modelId="{F2739518-7D92-429F-8E9E-66192ABB2CA9}" type="sibTrans" cxnId="{E4EB91AB-34B6-417D-AB4F-7D1E7ECD2B51}">
-      <dgm:prSet/>
+      <dgm:prSet phldrT="4"/>
       <dgm:spPr/>
       <dgm:t>
         <a:bodyPr/>
         <a:lstStyle/>
         <a:p>
-          <a:endParaRPr lang="en-US"/>
+          <a:r>
+            <a:rPr lang="en-US"/>
+            <a:t>4</a:t>
+          </a:r>
         </a:p>
       </dgm:t>
     </dgm:pt>
-    <dgm:pt modelId="{DC838836-1758-4D4B-BB07-C4F721F4776A}" type="pres">
-      <dgm:prSet presAssocID="{FD6EDA08-C638-4A62-A8DA-273A60758E9C}" presName="CompostProcess" presStyleCnt="0">
+    <dgm:pt modelId="{7631BAFE-5C48-47F1-974D-55198E76B1F1}" type="pres">
+      <dgm:prSet presAssocID="{FD6EDA08-C638-4A62-A8DA-273A60758E9C}" presName="Name0" presStyleCnt="0">
         <dgm:presLayoutVars>
-          <dgm:dir/>
+          <dgm:animLvl val="lvl"/>
           <dgm:resizeHandles val="exact"/>
         </dgm:presLayoutVars>
       </dgm:prSet>
       <dgm:spPr/>
     </dgm:pt>
-    <dgm:pt modelId="{32BA5A3E-BE14-45B2-8257-24A38C1BED29}" type="pres">
-      <dgm:prSet presAssocID="{FD6EDA08-C638-4A62-A8DA-273A60758E9C}" presName="arrow" presStyleLbl="bgShp" presStyleIdx="0" presStyleCnt="1"/>
-      <dgm:spPr/>
-    </dgm:pt>
-    <dgm:pt modelId="{7FB96D68-F201-473C-B5B3-2B027B6022F1}" type="pres">
-      <dgm:prSet presAssocID="{FD6EDA08-C638-4A62-A8DA-273A60758E9C}" presName="linearProcess" presStyleCnt="0"/>
-      <dgm:spPr/>
-    </dgm:pt>
-    <dgm:pt modelId="{7219061D-6667-4A43-B679-91ADA91A1E2B}" type="pres">
-      <dgm:prSet presAssocID="{6D3F0866-D276-473D-AAC2-AF21C82B1386}" presName="textNode" presStyleLbl="node1" presStyleIdx="0" presStyleCnt="4">
+    <dgm:pt modelId="{296736C3-E05F-4F2D-995C-0B01EFA70C08}" type="pres">
+      <dgm:prSet presAssocID="{6D3F0866-D276-473D-AAC2-AF21C82B1386}" presName="compositeNode" presStyleCnt="0">
         <dgm:presLayoutVars>
           <dgm:bulletEnabled val="1"/>
         </dgm:presLayoutVars>
       </dgm:prSet>
       <dgm:spPr/>
     </dgm:pt>
-    <dgm:pt modelId="{607471E7-B2FD-4D8A-8E24-5046796C2EB8}" type="pres">
-      <dgm:prSet presAssocID="{3F2C764F-FB0F-4E0D-9531-D23966C9E707}" presName="sibTrans" presStyleCnt="0"/>
+    <dgm:pt modelId="{6A7A85FC-CF79-4EF8-A899-9EDAA175C3BE}" type="pres">
+      <dgm:prSet presAssocID="{6D3F0866-D276-473D-AAC2-AF21C82B1386}" presName="bgRect" presStyleLbl="bgAccFollowNode1" presStyleIdx="0" presStyleCnt="4"/>
       <dgm:spPr/>
     </dgm:pt>
-    <dgm:pt modelId="{52F5B5A4-0243-4FB2-BA00-7E8EF33D696D}" type="pres">
-      <dgm:prSet presAssocID="{E0333145-8B01-496C-801F-498BB1B6742C}" presName="textNode" presStyleLbl="node1" presStyleIdx="1" presStyleCnt="4">
+    <dgm:pt modelId="{7BA84F87-1060-4D96-B394-C6A8AD12A00F}" type="pres">
+      <dgm:prSet presAssocID="{3F2C764F-FB0F-4E0D-9531-D23966C9E707}" presName="sibTransNodeCircle" presStyleLbl="alignNode1" presStyleIdx="0" presStyleCnt="8">
+        <dgm:presLayoutVars>
+          <dgm:chMax val="0"/>
+          <dgm:bulletEnabled/>
+        </dgm:presLayoutVars>
+      </dgm:prSet>
+      <dgm:spPr/>
+    </dgm:pt>
+    <dgm:pt modelId="{9DCB3ADD-E3FC-40A5-981B-47AF80E4A734}" type="pres">
+      <dgm:prSet presAssocID="{6D3F0866-D276-473D-AAC2-AF21C82B1386}" presName="bottomLine" presStyleLbl="alignNode1" presStyleIdx="1" presStyleCnt="8">
+        <dgm:presLayoutVars/>
+      </dgm:prSet>
+      <dgm:spPr/>
+    </dgm:pt>
+    <dgm:pt modelId="{E3E92EAB-5E64-4E22-931F-FFD8FA364893}" type="pres">
+      <dgm:prSet presAssocID="{6D3F0866-D276-473D-AAC2-AF21C82B1386}" presName="nodeText" presStyleLbl="bgAccFollowNode1" presStyleIdx="0" presStyleCnt="4">
         <dgm:presLayoutVars>
           <dgm:bulletEnabled val="1"/>
         </dgm:presLayoutVars>
       </dgm:prSet>
       <dgm:spPr/>
     </dgm:pt>
-    <dgm:pt modelId="{DAA97975-1BA7-46F7-B8D4-5603221277DE}" type="pres">
-      <dgm:prSet presAssocID="{3E328FAB-086C-45AB-B35C-B54A40BCFA99}" presName="sibTrans" presStyleCnt="0"/>
+    <dgm:pt modelId="{BA469CAA-D897-42FC-B479-1BABA1EC785D}" type="pres">
+      <dgm:prSet presAssocID="{3F2C764F-FB0F-4E0D-9531-D23966C9E707}" presName="sibTrans" presStyleCnt="0"/>
       <dgm:spPr/>
     </dgm:pt>
-    <dgm:pt modelId="{45508CD6-B9F0-46E8-A9A8-4BAB71099DC4}" type="pres">
-      <dgm:prSet presAssocID="{A9076B25-A40B-4AC0-BE52-4C8B61B8250D}" presName="textNode" presStyleLbl="node1" presStyleIdx="2" presStyleCnt="4">
+    <dgm:pt modelId="{E8F618C1-6BA4-4772-9BAF-7BEDA94F1E1A}" type="pres">
+      <dgm:prSet presAssocID="{E0333145-8B01-496C-801F-498BB1B6742C}" presName="compositeNode" presStyleCnt="0">
         <dgm:presLayoutVars>
           <dgm:bulletEnabled val="1"/>
         </dgm:presLayoutVars>
       </dgm:prSet>
       <dgm:spPr/>
     </dgm:pt>
-    <dgm:pt modelId="{DC48DF4E-380A-4FBE-9339-54315B18C847}" type="pres">
+    <dgm:pt modelId="{70777FD2-F0CC-42D0-BE8E-B8AA8FA3962B}" type="pres">
+      <dgm:prSet presAssocID="{E0333145-8B01-496C-801F-498BB1B6742C}" presName="bgRect" presStyleLbl="bgAccFollowNode1" presStyleIdx="1" presStyleCnt="4"/>
+      <dgm:spPr/>
+    </dgm:pt>
+    <dgm:pt modelId="{1655930A-AE75-454B-8BDA-80CB2939ADA3}" type="pres">
+      <dgm:prSet presAssocID="{3E328FAB-086C-45AB-B35C-B54A40BCFA99}" presName="sibTransNodeCircle" presStyleLbl="alignNode1" presStyleIdx="2" presStyleCnt="8">
+        <dgm:presLayoutVars>
+          <dgm:chMax val="0"/>
+          <dgm:bulletEnabled/>
+        </dgm:presLayoutVars>
+      </dgm:prSet>
+      <dgm:spPr/>
+    </dgm:pt>
+    <dgm:pt modelId="{78B78A3C-238B-47F2-A75C-A8C6E1F4331E}" type="pres">
+      <dgm:prSet presAssocID="{E0333145-8B01-496C-801F-498BB1B6742C}" presName="bottomLine" presStyleLbl="alignNode1" presStyleIdx="3" presStyleCnt="8">
+        <dgm:presLayoutVars/>
+      </dgm:prSet>
+      <dgm:spPr/>
+    </dgm:pt>
+    <dgm:pt modelId="{CF133149-C4CB-4D2E-A82A-9B53038617EE}" type="pres">
+      <dgm:prSet presAssocID="{E0333145-8B01-496C-801F-498BB1B6742C}" presName="nodeText" presStyleLbl="bgAccFollowNode1" presStyleIdx="1" presStyleCnt="4">
+        <dgm:presLayoutVars>
+          <dgm:bulletEnabled val="1"/>
+        </dgm:presLayoutVars>
+      </dgm:prSet>
+      <dgm:spPr/>
+    </dgm:pt>
+    <dgm:pt modelId="{04A25E9E-F4A3-4F5D-B999-B6A3142BA690}" type="pres">
+      <dgm:prSet presAssocID="{3E328FAB-086C-45AB-B35C-B54A40BCFA99}" presName="sibTrans" presStyleCnt="0"/>
+      <dgm:spPr/>
+    </dgm:pt>
+    <dgm:pt modelId="{78853EA2-8D51-4BDE-ABCC-AC637B95A819}" type="pres">
+      <dgm:prSet presAssocID="{A9076B25-A40B-4AC0-BE52-4C8B61B8250D}" presName="compositeNode" presStyleCnt="0">
+        <dgm:presLayoutVars>
+          <dgm:bulletEnabled val="1"/>
+        </dgm:presLayoutVars>
+      </dgm:prSet>
+      <dgm:spPr/>
+    </dgm:pt>
+    <dgm:pt modelId="{E24B1181-EBE0-435F-B103-1976003DAD04}" type="pres">
+      <dgm:prSet presAssocID="{A9076B25-A40B-4AC0-BE52-4C8B61B8250D}" presName="bgRect" presStyleLbl="bgAccFollowNode1" presStyleIdx="2" presStyleCnt="4"/>
+      <dgm:spPr/>
+    </dgm:pt>
+    <dgm:pt modelId="{64E91EA7-2411-4408-B4E9-4C70D990D33E}" type="pres">
+      <dgm:prSet presAssocID="{89DF8C19-EEEA-4225-95E8-6A3A0C98781D}" presName="sibTransNodeCircle" presStyleLbl="alignNode1" presStyleIdx="4" presStyleCnt="8">
+        <dgm:presLayoutVars>
+          <dgm:chMax val="0"/>
+          <dgm:bulletEnabled/>
+        </dgm:presLayoutVars>
+      </dgm:prSet>
+      <dgm:spPr/>
+    </dgm:pt>
+    <dgm:pt modelId="{FF501526-DC84-441A-8EFD-374DD6EFEB2F}" type="pres">
+      <dgm:prSet presAssocID="{A9076B25-A40B-4AC0-BE52-4C8B61B8250D}" presName="bottomLine" presStyleLbl="alignNode1" presStyleIdx="5" presStyleCnt="8">
+        <dgm:presLayoutVars/>
+      </dgm:prSet>
+      <dgm:spPr/>
+    </dgm:pt>
+    <dgm:pt modelId="{B115482B-745E-404B-A2C6-BE588F7B5C4C}" type="pres">
+      <dgm:prSet presAssocID="{A9076B25-A40B-4AC0-BE52-4C8B61B8250D}" presName="nodeText" presStyleLbl="bgAccFollowNode1" presStyleIdx="2" presStyleCnt="4">
+        <dgm:presLayoutVars>
+          <dgm:bulletEnabled val="1"/>
+        </dgm:presLayoutVars>
+      </dgm:prSet>
+      <dgm:spPr/>
+    </dgm:pt>
+    <dgm:pt modelId="{B7B780E0-612D-453E-8FD1-0CE20E0A1C4B}" type="pres">
       <dgm:prSet presAssocID="{89DF8C19-EEEA-4225-95E8-6A3A0C98781D}" presName="sibTrans" presStyleCnt="0"/>
       <dgm:spPr/>
     </dgm:pt>
-    <dgm:pt modelId="{84071D28-F94F-4544-9C0E-C47D0043B870}" type="pres">
-      <dgm:prSet presAssocID="{546E7813-E6AA-46A8-B680-EA0B88CA38A1}" presName="textNode" presStyleLbl="node1" presStyleIdx="3" presStyleCnt="4">
+    <dgm:pt modelId="{7888E2B6-5469-4DBA-B172-EE0E59F5450B}" type="pres">
+      <dgm:prSet presAssocID="{546E7813-E6AA-46A8-B680-EA0B88CA38A1}" presName="compositeNode" presStyleCnt="0">
+        <dgm:presLayoutVars>
+          <dgm:bulletEnabled val="1"/>
+        </dgm:presLayoutVars>
+      </dgm:prSet>
+      <dgm:spPr/>
+    </dgm:pt>
+    <dgm:pt modelId="{33D62F25-E540-426E-92B5-A6DD1D8A4C7F}" type="pres">
+      <dgm:prSet presAssocID="{546E7813-E6AA-46A8-B680-EA0B88CA38A1}" presName="bgRect" presStyleLbl="bgAccFollowNode1" presStyleIdx="3" presStyleCnt="4"/>
+      <dgm:spPr/>
+    </dgm:pt>
+    <dgm:pt modelId="{BF7F31DC-BC5B-4B14-A620-951A2E98E3A9}" type="pres">
+      <dgm:prSet presAssocID="{F2739518-7D92-429F-8E9E-66192ABB2CA9}" presName="sibTransNodeCircle" presStyleLbl="alignNode1" presStyleIdx="6" presStyleCnt="8">
+        <dgm:presLayoutVars>
+          <dgm:chMax val="0"/>
+          <dgm:bulletEnabled/>
+        </dgm:presLayoutVars>
+      </dgm:prSet>
+      <dgm:spPr/>
+    </dgm:pt>
+    <dgm:pt modelId="{E105DE63-5C9B-4E52-8717-2D0E7C73106B}" type="pres">
+      <dgm:prSet presAssocID="{546E7813-E6AA-46A8-B680-EA0B88CA38A1}" presName="bottomLine" presStyleLbl="alignNode1" presStyleIdx="7" presStyleCnt="8">
+        <dgm:presLayoutVars/>
+      </dgm:prSet>
+      <dgm:spPr/>
+    </dgm:pt>
+    <dgm:pt modelId="{A239B15F-9BBC-4A64-A704-3FAB9F41AADA}" type="pres">
+      <dgm:prSet presAssocID="{546E7813-E6AA-46A8-B680-EA0B88CA38A1}" presName="nodeText" presStyleLbl="bgAccFollowNode1" presStyleIdx="3" presStyleCnt="4">
         <dgm:presLayoutVars>
           <dgm:bulletEnabled val="1"/>
         </dgm:presLayoutVars>
@@ -2086,30 +2442,52 @@
     </dgm:pt>
   </dgm:ptLst>
   <dgm:cxnLst>
-    <dgm:cxn modelId="{3ED7520D-63D4-4F5D-88D4-5653824CD3DA}" type="presOf" srcId="{546E7813-E6AA-46A8-B680-EA0B88CA38A1}" destId="{84071D28-F94F-4544-9C0E-C47D0043B870}" srcOrd="0" destOrd="0" presId="urn:microsoft.com/office/officeart/2005/8/layout/hProcess9"/>
-    <dgm:cxn modelId="{8F9D8B1E-6142-4208-8C6A-3EA69E28CDDC}" type="presOf" srcId="{6D3F0866-D276-473D-AAC2-AF21C82B1386}" destId="{7219061D-6667-4A43-B679-91ADA91A1E2B}" srcOrd="0" destOrd="0" presId="urn:microsoft.com/office/officeart/2005/8/layout/hProcess9"/>
-    <dgm:cxn modelId="{0C541D5B-FAA4-4E39-BFF8-C9E39C1CFCB3}" type="presOf" srcId="{FD6EDA08-C638-4A62-A8DA-273A60758E9C}" destId="{DC838836-1758-4D4B-BB07-C4F721F4776A}" srcOrd="0" destOrd="0" presId="urn:microsoft.com/office/officeart/2005/8/layout/hProcess9"/>
+    <dgm:cxn modelId="{04AB9210-451D-4956-91C0-F3B5D43D3182}" type="presOf" srcId="{E0333145-8B01-496C-801F-498BB1B6742C}" destId="{70777FD2-F0CC-42D0-BE8E-B8AA8FA3962B}" srcOrd="0" destOrd="0" presId="urn:microsoft.com/office/officeart/2016/7/layout/BasicLinearProcessNumbered"/>
+    <dgm:cxn modelId="{4B13FF1F-02BC-4E2A-A768-0BFEB92437F6}" type="presOf" srcId="{6D3F0866-D276-473D-AAC2-AF21C82B1386}" destId="{E3E92EAB-5E64-4E22-931F-FFD8FA364893}" srcOrd="1" destOrd="0" presId="urn:microsoft.com/office/officeart/2016/7/layout/BasicLinearProcessNumbered"/>
+    <dgm:cxn modelId="{FDCF222B-160B-472E-BBA6-D1AFEF6061EE}" type="presOf" srcId="{89DF8C19-EEEA-4225-95E8-6A3A0C98781D}" destId="{64E91EA7-2411-4408-B4E9-4C70D990D33E}" srcOrd="0" destOrd="0" presId="urn:microsoft.com/office/officeart/2016/7/layout/BasicLinearProcessNumbered"/>
+    <dgm:cxn modelId="{D1337333-880B-41BC-8E62-B2DB2AE57732}" type="presOf" srcId="{6D3F0866-D276-473D-AAC2-AF21C82B1386}" destId="{6A7A85FC-CF79-4EF8-A899-9EDAA175C3BE}" srcOrd="0" destOrd="0" presId="urn:microsoft.com/office/officeart/2016/7/layout/BasicLinearProcessNumbered"/>
+    <dgm:cxn modelId="{9ED5103A-EF67-4793-B185-1F3E233EE0E2}" type="presOf" srcId="{E0333145-8B01-496C-801F-498BB1B6742C}" destId="{CF133149-C4CB-4D2E-A82A-9B53038617EE}" srcOrd="1" destOrd="0" presId="urn:microsoft.com/office/officeart/2016/7/layout/BasicLinearProcessNumbered"/>
     <dgm:cxn modelId="{83BC895E-99AF-47D9-8420-000F58622EE5}" srcId="{FD6EDA08-C638-4A62-A8DA-273A60758E9C}" destId="{A9076B25-A40B-4AC0-BE52-4C8B61B8250D}" srcOrd="2" destOrd="0" parTransId="{68FA737A-690E-4E99-B674-02C287D34096}" sibTransId="{89DF8C19-EEEA-4225-95E8-6A3A0C98781D}"/>
-    <dgm:cxn modelId="{88F08961-96BA-4565-8C83-5FD416C322C3}" type="presOf" srcId="{E0333145-8B01-496C-801F-498BB1B6742C}" destId="{52F5B5A4-0243-4FB2-BA00-7E8EF33D696D}" srcOrd="0" destOrd="0" presId="urn:microsoft.com/office/officeart/2005/8/layout/hProcess9"/>
+    <dgm:cxn modelId="{4F625285-CC57-43D0-BDE1-A8C7E0A85357}" type="presOf" srcId="{546E7813-E6AA-46A8-B680-EA0B88CA38A1}" destId="{33D62F25-E540-426E-92B5-A6DD1D8A4C7F}" srcOrd="0" destOrd="0" presId="urn:microsoft.com/office/officeart/2016/7/layout/BasicLinearProcessNumbered"/>
+    <dgm:cxn modelId="{14CF9D8D-8B43-4647-ACEC-7E93F5DC5663}" type="presOf" srcId="{3E328FAB-086C-45AB-B35C-B54A40BCFA99}" destId="{1655930A-AE75-454B-8BDA-80CB2939ADA3}" srcOrd="0" destOrd="0" presId="urn:microsoft.com/office/officeart/2016/7/layout/BasicLinearProcessNumbered"/>
+    <dgm:cxn modelId="{B46C708F-BE1F-4898-A344-1A47228E1711}" type="presOf" srcId="{F2739518-7D92-429F-8E9E-66192ABB2CA9}" destId="{BF7F31DC-BC5B-4B14-A620-951A2E98E3A9}" srcOrd="0" destOrd="0" presId="urn:microsoft.com/office/officeart/2016/7/layout/BasicLinearProcessNumbered"/>
+    <dgm:cxn modelId="{DCE97592-572C-4388-8792-EBE6D95757A8}" type="presOf" srcId="{A9076B25-A40B-4AC0-BE52-4C8B61B8250D}" destId="{E24B1181-EBE0-435F-B103-1976003DAD04}" srcOrd="0" destOrd="0" presId="urn:microsoft.com/office/officeart/2016/7/layout/BasicLinearProcessNumbered"/>
     <dgm:cxn modelId="{E4EB91AB-34B6-417D-AB4F-7D1E7ECD2B51}" srcId="{FD6EDA08-C638-4A62-A8DA-273A60758E9C}" destId="{546E7813-E6AA-46A8-B680-EA0B88CA38A1}" srcOrd="3" destOrd="0" parTransId="{41F43562-9394-40C5-BF63-299F74286ABA}" sibTransId="{F2739518-7D92-429F-8E9E-66192ABB2CA9}"/>
     <dgm:cxn modelId="{32962DBE-12A3-4C67-A782-B4A4BE9B4586}" srcId="{FD6EDA08-C638-4A62-A8DA-273A60758E9C}" destId="{6D3F0866-D276-473D-AAC2-AF21C82B1386}" srcOrd="0" destOrd="0" parTransId="{D7806D3D-7644-4872-9BD7-618041DC5F66}" sibTransId="{3F2C764F-FB0F-4E0D-9531-D23966C9E707}"/>
-    <dgm:cxn modelId="{990505D0-9A06-4278-A12B-84F78B9004D1}" type="presOf" srcId="{A9076B25-A40B-4AC0-BE52-4C8B61B8250D}" destId="{45508CD6-B9F0-46E8-A9A8-4BAB71099DC4}" srcOrd="0" destOrd="0" presId="urn:microsoft.com/office/officeart/2005/8/layout/hProcess9"/>
+    <dgm:cxn modelId="{693619DB-034F-409A-8ED4-675B59497BBF}" type="presOf" srcId="{A9076B25-A40B-4AC0-BE52-4C8B61B8250D}" destId="{B115482B-745E-404B-A2C6-BE588F7B5C4C}" srcOrd="1" destOrd="0" presId="urn:microsoft.com/office/officeart/2016/7/layout/BasicLinearProcessNumbered"/>
+    <dgm:cxn modelId="{698213E4-F47B-4C9E-AD30-4CECD926DD73}" type="presOf" srcId="{3F2C764F-FB0F-4E0D-9531-D23966C9E707}" destId="{7BA84F87-1060-4D96-B394-C6A8AD12A00F}" srcOrd="0" destOrd="0" presId="urn:microsoft.com/office/officeart/2016/7/layout/BasicLinearProcessNumbered"/>
     <dgm:cxn modelId="{9E0FA3E4-E113-4860-8A98-DCE9305CB805}" srcId="{FD6EDA08-C638-4A62-A8DA-273A60758E9C}" destId="{E0333145-8B01-496C-801F-498BB1B6742C}" srcOrd="1" destOrd="0" parTransId="{4E655CCB-EC0E-4635-A9D5-92F1FCFB24F6}" sibTransId="{3E328FAB-086C-45AB-B35C-B54A40BCFA99}"/>
-    <dgm:cxn modelId="{E829FD85-6E8F-4CB2-BDB7-42A7019ADDD1}" type="presParOf" srcId="{DC838836-1758-4D4B-BB07-C4F721F4776A}" destId="{32BA5A3E-BE14-45B2-8257-24A38C1BED29}" srcOrd="0" destOrd="0" presId="urn:microsoft.com/office/officeart/2005/8/layout/hProcess9"/>
-    <dgm:cxn modelId="{C1904E95-47C7-4B33-8B4B-67BD59CC06CB}" type="presParOf" srcId="{DC838836-1758-4D4B-BB07-C4F721F4776A}" destId="{7FB96D68-F201-473C-B5B3-2B027B6022F1}" srcOrd="1" destOrd="0" presId="urn:microsoft.com/office/officeart/2005/8/layout/hProcess9"/>
-    <dgm:cxn modelId="{360FA2B8-DA08-403A-97ED-8A7AF0AEFC13}" type="presParOf" srcId="{7FB96D68-F201-473C-B5B3-2B027B6022F1}" destId="{7219061D-6667-4A43-B679-91ADA91A1E2B}" srcOrd="0" destOrd="0" presId="urn:microsoft.com/office/officeart/2005/8/layout/hProcess9"/>
-    <dgm:cxn modelId="{EAF8CA24-51CA-419A-9889-BC36E02C0FA6}" type="presParOf" srcId="{7FB96D68-F201-473C-B5B3-2B027B6022F1}" destId="{607471E7-B2FD-4D8A-8E24-5046796C2EB8}" srcOrd="1" destOrd="0" presId="urn:microsoft.com/office/officeart/2005/8/layout/hProcess9"/>
-    <dgm:cxn modelId="{A6C24FC1-EB60-4027-AC7D-2B8771F4AC22}" type="presParOf" srcId="{7FB96D68-F201-473C-B5B3-2B027B6022F1}" destId="{52F5B5A4-0243-4FB2-BA00-7E8EF33D696D}" srcOrd="2" destOrd="0" presId="urn:microsoft.com/office/officeart/2005/8/layout/hProcess9"/>
-    <dgm:cxn modelId="{62EB2273-A63E-4B4F-8AD4-6BF882CE931C}" type="presParOf" srcId="{7FB96D68-F201-473C-B5B3-2B027B6022F1}" destId="{DAA97975-1BA7-46F7-B8D4-5603221277DE}" srcOrd="3" destOrd="0" presId="urn:microsoft.com/office/officeart/2005/8/layout/hProcess9"/>
-    <dgm:cxn modelId="{1C548747-03D7-45F1-8891-03DBB296935B}" type="presParOf" srcId="{7FB96D68-F201-473C-B5B3-2B027B6022F1}" destId="{45508CD6-B9F0-46E8-A9A8-4BAB71099DC4}" srcOrd="4" destOrd="0" presId="urn:microsoft.com/office/officeart/2005/8/layout/hProcess9"/>
-    <dgm:cxn modelId="{7BD97EAE-0563-4FCA-96A3-5A3BEE0CF6CD}" type="presParOf" srcId="{7FB96D68-F201-473C-B5B3-2B027B6022F1}" destId="{DC48DF4E-380A-4FBE-9339-54315B18C847}" srcOrd="5" destOrd="0" presId="urn:microsoft.com/office/officeart/2005/8/layout/hProcess9"/>
-    <dgm:cxn modelId="{0BB69493-19AA-4545-AF4C-389AF6E44B1C}" type="presParOf" srcId="{7FB96D68-F201-473C-B5B3-2B027B6022F1}" destId="{84071D28-F94F-4544-9C0E-C47D0043B870}" srcOrd="6" destOrd="0" presId="urn:microsoft.com/office/officeart/2005/8/layout/hProcess9"/>
+    <dgm:cxn modelId="{F4DD8CEB-F142-45DE-BE01-5D432D19DEE1}" type="presOf" srcId="{FD6EDA08-C638-4A62-A8DA-273A60758E9C}" destId="{7631BAFE-5C48-47F1-974D-55198E76B1F1}" srcOrd="0" destOrd="0" presId="urn:microsoft.com/office/officeart/2016/7/layout/BasicLinearProcessNumbered"/>
+    <dgm:cxn modelId="{A295D2FA-5EBA-4507-93D0-B294507CD69C}" type="presOf" srcId="{546E7813-E6AA-46A8-B680-EA0B88CA38A1}" destId="{A239B15F-9BBC-4A64-A704-3FAB9F41AADA}" srcOrd="1" destOrd="0" presId="urn:microsoft.com/office/officeart/2016/7/layout/BasicLinearProcessNumbered"/>
+    <dgm:cxn modelId="{BCAB5EFA-08AE-4F02-9E20-39C0D6600443}" type="presParOf" srcId="{7631BAFE-5C48-47F1-974D-55198E76B1F1}" destId="{296736C3-E05F-4F2D-995C-0B01EFA70C08}" srcOrd="0" destOrd="0" presId="urn:microsoft.com/office/officeart/2016/7/layout/BasicLinearProcessNumbered"/>
+    <dgm:cxn modelId="{C9DD7BE3-9397-4044-9DB4-6C946330C720}" type="presParOf" srcId="{296736C3-E05F-4F2D-995C-0B01EFA70C08}" destId="{6A7A85FC-CF79-4EF8-A899-9EDAA175C3BE}" srcOrd="0" destOrd="0" presId="urn:microsoft.com/office/officeart/2016/7/layout/BasicLinearProcessNumbered"/>
+    <dgm:cxn modelId="{CAC26F03-6ED5-419D-9C13-B4C8E1DF7387}" type="presParOf" srcId="{296736C3-E05F-4F2D-995C-0B01EFA70C08}" destId="{7BA84F87-1060-4D96-B394-C6A8AD12A00F}" srcOrd="1" destOrd="0" presId="urn:microsoft.com/office/officeart/2016/7/layout/BasicLinearProcessNumbered"/>
+    <dgm:cxn modelId="{87142838-75F4-484B-A8F1-8E1732EC69D1}" type="presParOf" srcId="{296736C3-E05F-4F2D-995C-0B01EFA70C08}" destId="{9DCB3ADD-E3FC-40A5-981B-47AF80E4A734}" srcOrd="2" destOrd="0" presId="urn:microsoft.com/office/officeart/2016/7/layout/BasicLinearProcessNumbered"/>
+    <dgm:cxn modelId="{601E8393-6083-4503-9C1E-296E524291D4}" type="presParOf" srcId="{296736C3-E05F-4F2D-995C-0B01EFA70C08}" destId="{E3E92EAB-5E64-4E22-931F-FFD8FA364893}" srcOrd="3" destOrd="0" presId="urn:microsoft.com/office/officeart/2016/7/layout/BasicLinearProcessNumbered"/>
+    <dgm:cxn modelId="{768AA12B-9A52-45E0-A4ED-CB05163BA035}" type="presParOf" srcId="{7631BAFE-5C48-47F1-974D-55198E76B1F1}" destId="{BA469CAA-D897-42FC-B479-1BABA1EC785D}" srcOrd="1" destOrd="0" presId="urn:microsoft.com/office/officeart/2016/7/layout/BasicLinearProcessNumbered"/>
+    <dgm:cxn modelId="{21C2CD5C-B5AF-441E-A1C4-5D6625D4B405}" type="presParOf" srcId="{7631BAFE-5C48-47F1-974D-55198E76B1F1}" destId="{E8F618C1-6BA4-4772-9BAF-7BEDA94F1E1A}" srcOrd="2" destOrd="0" presId="urn:microsoft.com/office/officeart/2016/7/layout/BasicLinearProcessNumbered"/>
+    <dgm:cxn modelId="{841CD6AA-D053-417B-84D3-C76AC7184DD7}" type="presParOf" srcId="{E8F618C1-6BA4-4772-9BAF-7BEDA94F1E1A}" destId="{70777FD2-F0CC-42D0-BE8E-B8AA8FA3962B}" srcOrd="0" destOrd="0" presId="urn:microsoft.com/office/officeart/2016/7/layout/BasicLinearProcessNumbered"/>
+    <dgm:cxn modelId="{FF3507F6-459D-4322-BAEA-A2DEF698A7F4}" type="presParOf" srcId="{E8F618C1-6BA4-4772-9BAF-7BEDA94F1E1A}" destId="{1655930A-AE75-454B-8BDA-80CB2939ADA3}" srcOrd="1" destOrd="0" presId="urn:microsoft.com/office/officeart/2016/7/layout/BasicLinearProcessNumbered"/>
+    <dgm:cxn modelId="{E8D0618A-CC1E-43AE-80A8-166DB73CD042}" type="presParOf" srcId="{E8F618C1-6BA4-4772-9BAF-7BEDA94F1E1A}" destId="{78B78A3C-238B-47F2-A75C-A8C6E1F4331E}" srcOrd="2" destOrd="0" presId="urn:microsoft.com/office/officeart/2016/7/layout/BasicLinearProcessNumbered"/>
+    <dgm:cxn modelId="{2CF4E682-0771-4A54-BB8D-DD44AB85FF0E}" type="presParOf" srcId="{E8F618C1-6BA4-4772-9BAF-7BEDA94F1E1A}" destId="{CF133149-C4CB-4D2E-A82A-9B53038617EE}" srcOrd="3" destOrd="0" presId="urn:microsoft.com/office/officeart/2016/7/layout/BasicLinearProcessNumbered"/>
+    <dgm:cxn modelId="{FCF2525E-2342-47F4-8F18-B8706BAE4F63}" type="presParOf" srcId="{7631BAFE-5C48-47F1-974D-55198E76B1F1}" destId="{04A25E9E-F4A3-4F5D-B999-B6A3142BA690}" srcOrd="3" destOrd="0" presId="urn:microsoft.com/office/officeart/2016/7/layout/BasicLinearProcessNumbered"/>
+    <dgm:cxn modelId="{413A98E4-530B-4774-8944-9B1FF2392327}" type="presParOf" srcId="{7631BAFE-5C48-47F1-974D-55198E76B1F1}" destId="{78853EA2-8D51-4BDE-ABCC-AC637B95A819}" srcOrd="4" destOrd="0" presId="urn:microsoft.com/office/officeart/2016/7/layout/BasicLinearProcessNumbered"/>
+    <dgm:cxn modelId="{47450FC2-20E9-42AF-8816-8A25F141DCDA}" type="presParOf" srcId="{78853EA2-8D51-4BDE-ABCC-AC637B95A819}" destId="{E24B1181-EBE0-435F-B103-1976003DAD04}" srcOrd="0" destOrd="0" presId="urn:microsoft.com/office/officeart/2016/7/layout/BasicLinearProcessNumbered"/>
+    <dgm:cxn modelId="{8FB15513-7C0D-4347-8930-608FA17EF7EB}" type="presParOf" srcId="{78853EA2-8D51-4BDE-ABCC-AC637B95A819}" destId="{64E91EA7-2411-4408-B4E9-4C70D990D33E}" srcOrd="1" destOrd="0" presId="urn:microsoft.com/office/officeart/2016/7/layout/BasicLinearProcessNumbered"/>
+    <dgm:cxn modelId="{23DFC83A-044F-4287-8055-E25906449659}" type="presParOf" srcId="{78853EA2-8D51-4BDE-ABCC-AC637B95A819}" destId="{FF501526-DC84-441A-8EFD-374DD6EFEB2F}" srcOrd="2" destOrd="0" presId="urn:microsoft.com/office/officeart/2016/7/layout/BasicLinearProcessNumbered"/>
+    <dgm:cxn modelId="{CC198903-59C7-4987-B24B-C20EF2D7E768}" type="presParOf" srcId="{78853EA2-8D51-4BDE-ABCC-AC637B95A819}" destId="{B115482B-745E-404B-A2C6-BE588F7B5C4C}" srcOrd="3" destOrd="0" presId="urn:microsoft.com/office/officeart/2016/7/layout/BasicLinearProcessNumbered"/>
+    <dgm:cxn modelId="{EC2FB693-49FF-48FF-BC22-F6156A2BB6AE}" type="presParOf" srcId="{7631BAFE-5C48-47F1-974D-55198E76B1F1}" destId="{B7B780E0-612D-453E-8FD1-0CE20E0A1C4B}" srcOrd="5" destOrd="0" presId="urn:microsoft.com/office/officeart/2016/7/layout/BasicLinearProcessNumbered"/>
+    <dgm:cxn modelId="{D57FFF1F-43DD-44C8-8961-51269E543C34}" type="presParOf" srcId="{7631BAFE-5C48-47F1-974D-55198E76B1F1}" destId="{7888E2B6-5469-4DBA-B172-EE0E59F5450B}" srcOrd="6" destOrd="0" presId="urn:microsoft.com/office/officeart/2016/7/layout/BasicLinearProcessNumbered"/>
+    <dgm:cxn modelId="{32A9EDE4-5E8D-48B6-8120-74038818D4A6}" type="presParOf" srcId="{7888E2B6-5469-4DBA-B172-EE0E59F5450B}" destId="{33D62F25-E540-426E-92B5-A6DD1D8A4C7F}" srcOrd="0" destOrd="0" presId="urn:microsoft.com/office/officeart/2016/7/layout/BasicLinearProcessNumbered"/>
+    <dgm:cxn modelId="{605A574D-0624-4CD0-8253-27AB9153D9FE}" type="presParOf" srcId="{7888E2B6-5469-4DBA-B172-EE0E59F5450B}" destId="{BF7F31DC-BC5B-4B14-A620-951A2E98E3A9}" srcOrd="1" destOrd="0" presId="urn:microsoft.com/office/officeart/2016/7/layout/BasicLinearProcessNumbered"/>
+    <dgm:cxn modelId="{EE73FC0E-08D0-472A-9A77-B92F79C0AF40}" type="presParOf" srcId="{7888E2B6-5469-4DBA-B172-EE0E59F5450B}" destId="{E105DE63-5C9B-4E52-8717-2D0E7C73106B}" srcOrd="2" destOrd="0" presId="urn:microsoft.com/office/officeart/2016/7/layout/BasicLinearProcessNumbered"/>
+    <dgm:cxn modelId="{06A8F43E-429B-4B2A-AA7F-BA447C1634EE}" type="presParOf" srcId="{7888E2B6-5469-4DBA-B172-EE0E59F5450B}" destId="{A239B15F-9BBC-4A64-A704-3FAB9F41AADA}" srcOrd="3" destOrd="0" presId="urn:microsoft.com/office/officeart/2016/7/layout/BasicLinearProcessNumbered"/>
   </dgm:cxnLst>
   <dgm:bg/>
   <dgm:whole/>
   <dgm:extLst>
     <a:ext uri="http://schemas.microsoft.com/office/drawing/2008/diagram">
-      <dsp:dataModelExt xmlns:dsp="http://schemas.microsoft.com/office/drawing/2008/diagram" relId="rId7" minVer="http://schemas.openxmlformats.org/drawingml/2006/diagram"/>
+      <dsp:dataModelExt xmlns:dsp="http://schemas.microsoft.com/office/drawing/2008/diagram" relId="rId8" minVer="http://schemas.openxmlformats.org/drawingml/2006/diagram"/>
     </a:ext>
   </dgm:extLst>
 </dgm:dataModel>
@@ -2123,21 +2501,22 @@
       <dsp:cNvGrpSpPr/>
     </dsp:nvGrpSpPr>
     <dsp:grpSpPr/>
-    <dsp:sp modelId="{32BA5A3E-BE14-45B2-8257-24A38C1BED29}">
+    <dsp:sp modelId="{6A7A85FC-CF79-4EF8-A899-9EDAA175C3BE}">
       <dsp:nvSpPr>
         <dsp:cNvPr id="0" name=""/>
         <dsp:cNvSpPr/>
       </dsp:nvSpPr>
       <dsp:spPr>
         <a:xfrm>
-          <a:off x="860497" y="0"/>
-          <a:ext cx="9752300" cy="2182068"/>
+          <a:off x="1929" y="626347"/>
+          <a:ext cx="1530552" cy="2142773"/>
         </a:xfrm>
-        <a:prstGeom prst="rightArrow">
+        <a:prstGeom prst="rect">
           <a:avLst/>
         </a:prstGeom>
         <a:solidFill>
-          <a:schemeClr val="accent1">
+          <a:schemeClr val="dk2">
+            <a:alpha val="90000"/>
             <a:tint val="40000"/>
             <a:hueOff val="0"/>
             <a:satOff val="0"/>
@@ -2145,13 +2524,23 @@
             <a:alphaOff val="0"/>
           </a:schemeClr>
         </a:solidFill>
-        <a:ln>
-          <a:noFill/>
+        <a:ln w="15875" cap="rnd" cmpd="sng" algn="ctr">
+          <a:solidFill>
+            <a:schemeClr val="dk2">
+              <a:alpha val="90000"/>
+              <a:tint val="40000"/>
+              <a:hueOff val="0"/>
+              <a:satOff val="0"/>
+              <a:lumOff val="0"/>
+              <a:alphaOff val="0"/>
+            </a:schemeClr>
+          </a:solidFill>
+          <a:prstDash val="solid"/>
         </a:ln>
         <a:effectLst/>
       </dsp:spPr>
       <dsp:style>
-        <a:lnRef idx="0">
+        <a:lnRef idx="2">
           <a:scrgbClr r="0" g="0" b="0"/>
         </a:lnRef>
         <a:fillRef idx="1">
@@ -2162,22 +2551,50 @@
         </a:effectRef>
         <a:fontRef idx="minor"/>
       </dsp:style>
+      <dsp:txBody>
+        <a:bodyPr spcFirstLastPara="0" vert="horz" wrap="square" lIns="119328" tIns="330200" rIns="119328" bIns="330200" numCol="1" spcCol="1270" anchor="t" anchorCtr="0">
+          <a:noAutofit/>
+        </a:bodyPr>
+        <a:lstStyle/>
+        <a:p>
+          <a:pPr marL="0" lvl="0" indent="0" algn="l" defTabSz="488950">
+            <a:lnSpc>
+              <a:spcPct val="90000"/>
+            </a:lnSpc>
+            <a:spcBef>
+              <a:spcPct val="0"/>
+            </a:spcBef>
+            <a:spcAft>
+              <a:spcPct val="35000"/>
+            </a:spcAft>
+            <a:buNone/>
+          </a:pPr>
+          <a:r>
+            <a:rPr lang="en-US" sz="1100" kern="1200"/>
+            <a:t>Within Jupyter we merged each CSV file one at a time into our final data frame</a:t>
+          </a:r>
+        </a:p>
+      </dsp:txBody>
+      <dsp:txXfrm>
+        <a:off x="1929" y="1440601"/>
+        <a:ext cx="1530552" cy="1285664"/>
+      </dsp:txXfrm>
     </dsp:sp>
-    <dsp:sp modelId="{7219061D-6667-4A43-B679-91ADA91A1E2B}">
+    <dsp:sp modelId="{7BA84F87-1060-4D96-B394-C6A8AD12A00F}">
       <dsp:nvSpPr>
         <dsp:cNvPr id="0" name=""/>
         <dsp:cNvSpPr/>
       </dsp:nvSpPr>
       <dsp:spPr>
         <a:xfrm>
-          <a:off x="5742" y="654620"/>
-          <a:ext cx="2761882" cy="872827"/>
+          <a:off x="445789" y="840625"/>
+          <a:ext cx="642832" cy="642832"/>
         </a:xfrm>
-        <a:prstGeom prst="roundRect">
+        <a:prstGeom prst="ellipse">
           <a:avLst/>
         </a:prstGeom>
         <a:solidFill>
-          <a:schemeClr val="accent1">
+          <a:schemeClr val="dk2">
             <a:hueOff val="0"/>
             <a:satOff val="0"/>
             <a:lumOff val="0"/>
@@ -2186,7 +2603,7 @@
         </a:solidFill>
         <a:ln w="15875" cap="rnd" cmpd="sng" algn="ctr">
           <a:solidFill>
-            <a:schemeClr val="lt1">
+            <a:schemeClr val="dk2">
               <a:hueOff val="0"/>
               <a:satOff val="0"/>
               <a:lumOff val="0"/>
@@ -2212,12 +2629,12 @@
         </a:fontRef>
       </dsp:style>
       <dsp:txBody>
-        <a:bodyPr spcFirstLastPara="0" vert="horz" wrap="square" lIns="49530" tIns="49530" rIns="49530" bIns="49530" numCol="1" spcCol="1270" anchor="ctr" anchorCtr="0">
+        <a:bodyPr spcFirstLastPara="0" vert="horz" wrap="square" lIns="50118" tIns="12700" rIns="50118" bIns="12700" numCol="1" spcCol="1270" anchor="ctr" anchorCtr="0">
           <a:noAutofit/>
         </a:bodyPr>
         <a:lstStyle/>
         <a:p>
-          <a:pPr marL="0" lvl="0" indent="0" algn="ctr" defTabSz="577850">
+          <a:pPr marL="0" lvl="0" indent="0" algn="ctr" defTabSz="1333500">
             <a:lnSpc>
               <a:spcPct val="90000"/>
             </a:lnSpc>
@@ -2230,31 +2647,31 @@
             <a:buNone/>
           </a:pPr>
           <a:r>
-            <a:rPr lang="en-US" sz="1300" kern="1200"/>
-            <a:t>Within Jupyter we merged each CSV file one at a time into our final data frame</a:t>
+            <a:rPr lang="en-US" sz="3000" kern="1200"/>
+            <a:t>1</a:t>
           </a:r>
         </a:p>
       </dsp:txBody>
       <dsp:txXfrm>
-        <a:off x="48350" y="697228"/>
-        <a:ext cx="2676666" cy="787611"/>
+        <a:off x="539930" y="934766"/>
+        <a:ext cx="454550" cy="454550"/>
       </dsp:txXfrm>
     </dsp:sp>
-    <dsp:sp modelId="{52F5B5A4-0243-4FB2-BA00-7E8EF33D696D}">
+    <dsp:sp modelId="{9DCB3ADD-E3FC-40A5-981B-47AF80E4A734}">
       <dsp:nvSpPr>
         <dsp:cNvPr id="0" name=""/>
         <dsp:cNvSpPr/>
       </dsp:nvSpPr>
       <dsp:spPr>
         <a:xfrm>
-          <a:off x="2905718" y="654620"/>
-          <a:ext cx="2761882" cy="872827"/>
+          <a:off x="1929" y="2769049"/>
+          <a:ext cx="1530552" cy="72"/>
         </a:xfrm>
-        <a:prstGeom prst="roundRect">
+        <a:prstGeom prst="rect">
           <a:avLst/>
         </a:prstGeom>
         <a:solidFill>
-          <a:schemeClr val="accent1">
+          <a:schemeClr val="dk2">
             <a:hueOff val="0"/>
             <a:satOff val="0"/>
             <a:lumOff val="0"/>
@@ -2263,7 +2680,135 @@
         </a:solidFill>
         <a:ln w="15875" cap="rnd" cmpd="sng" algn="ctr">
           <a:solidFill>
-            <a:schemeClr val="lt1">
+            <a:schemeClr val="dk2">
+              <a:hueOff val="0"/>
+              <a:satOff val="0"/>
+              <a:lumOff val="0"/>
+              <a:alphaOff val="0"/>
+            </a:schemeClr>
+          </a:solidFill>
+          <a:prstDash val="solid"/>
+        </a:ln>
+        <a:effectLst/>
+      </dsp:spPr>
+      <dsp:style>
+        <a:lnRef idx="2">
+          <a:scrgbClr r="0" g="0" b="0"/>
+        </a:lnRef>
+        <a:fillRef idx="1">
+          <a:scrgbClr r="0" g="0" b="0"/>
+        </a:fillRef>
+        <a:effectRef idx="0">
+          <a:scrgbClr r="0" g="0" b="0"/>
+        </a:effectRef>
+        <a:fontRef idx="minor">
+          <a:schemeClr val="lt1"/>
+        </a:fontRef>
+      </dsp:style>
+    </dsp:sp>
+    <dsp:sp modelId="{70777FD2-F0CC-42D0-BE8E-B8AA8FA3962B}">
+      <dsp:nvSpPr>
+        <dsp:cNvPr id="0" name=""/>
+        <dsp:cNvSpPr/>
+      </dsp:nvSpPr>
+      <dsp:spPr>
+        <a:xfrm>
+          <a:off x="1685537" y="626347"/>
+          <a:ext cx="1530552" cy="2142773"/>
+        </a:xfrm>
+        <a:prstGeom prst="rect">
+          <a:avLst/>
+        </a:prstGeom>
+        <a:solidFill>
+          <a:schemeClr val="dk2">
+            <a:alpha val="90000"/>
+            <a:tint val="40000"/>
+            <a:hueOff val="0"/>
+            <a:satOff val="0"/>
+            <a:lumOff val="0"/>
+            <a:alphaOff val="0"/>
+          </a:schemeClr>
+        </a:solidFill>
+        <a:ln w="15875" cap="rnd" cmpd="sng" algn="ctr">
+          <a:solidFill>
+            <a:schemeClr val="dk2">
+              <a:alpha val="90000"/>
+              <a:tint val="40000"/>
+              <a:hueOff val="0"/>
+              <a:satOff val="0"/>
+              <a:lumOff val="0"/>
+              <a:alphaOff val="0"/>
+            </a:schemeClr>
+          </a:solidFill>
+          <a:prstDash val="solid"/>
+        </a:ln>
+        <a:effectLst/>
+      </dsp:spPr>
+      <dsp:style>
+        <a:lnRef idx="2">
+          <a:scrgbClr r="0" g="0" b="0"/>
+        </a:lnRef>
+        <a:fillRef idx="1">
+          <a:scrgbClr r="0" g="0" b="0"/>
+        </a:fillRef>
+        <a:effectRef idx="0">
+          <a:scrgbClr r="0" g="0" b="0"/>
+        </a:effectRef>
+        <a:fontRef idx="minor"/>
+      </dsp:style>
+      <dsp:txBody>
+        <a:bodyPr spcFirstLastPara="0" vert="horz" wrap="square" lIns="119328" tIns="330200" rIns="119328" bIns="330200" numCol="1" spcCol="1270" anchor="t" anchorCtr="0">
+          <a:noAutofit/>
+        </a:bodyPr>
+        <a:lstStyle/>
+        <a:p>
+          <a:pPr marL="0" lvl="0" indent="0" algn="l" defTabSz="488950">
+            <a:lnSpc>
+              <a:spcPct val="90000"/>
+            </a:lnSpc>
+            <a:spcBef>
+              <a:spcPct val="0"/>
+            </a:spcBef>
+            <a:spcAft>
+              <a:spcPct val="35000"/>
+            </a:spcAft>
+            <a:buNone/>
+          </a:pPr>
+          <a:r>
+            <a:rPr lang="en-US" sz="1100" kern="1200"/>
+            <a:t>We had to remove the commas from the Sales column to transform it to a Float</a:t>
+          </a:r>
+        </a:p>
+      </dsp:txBody>
+      <dsp:txXfrm>
+        <a:off x="1685537" y="1440601"/>
+        <a:ext cx="1530552" cy="1285664"/>
+      </dsp:txXfrm>
+    </dsp:sp>
+    <dsp:sp modelId="{1655930A-AE75-454B-8BDA-80CB2939ADA3}">
+      <dsp:nvSpPr>
+        <dsp:cNvPr id="0" name=""/>
+        <dsp:cNvSpPr/>
+      </dsp:nvSpPr>
+      <dsp:spPr>
+        <a:xfrm>
+          <a:off x="2129397" y="840625"/>
+          <a:ext cx="642832" cy="642832"/>
+        </a:xfrm>
+        <a:prstGeom prst="ellipse">
+          <a:avLst/>
+        </a:prstGeom>
+        <a:solidFill>
+          <a:schemeClr val="dk2">
+            <a:hueOff val="0"/>
+            <a:satOff val="0"/>
+            <a:lumOff val="0"/>
+            <a:alphaOff val="0"/>
+          </a:schemeClr>
+        </a:solidFill>
+        <a:ln w="15875" cap="rnd" cmpd="sng" algn="ctr">
+          <a:solidFill>
+            <a:schemeClr val="dk2">
               <a:hueOff val="0"/>
               <a:satOff val="0"/>
               <a:lumOff val="0"/>
@@ -2289,12 +2834,12 @@
         </a:fontRef>
       </dsp:style>
       <dsp:txBody>
-        <a:bodyPr spcFirstLastPara="0" vert="horz" wrap="square" lIns="49530" tIns="49530" rIns="49530" bIns="49530" numCol="1" spcCol="1270" anchor="ctr" anchorCtr="0">
+        <a:bodyPr spcFirstLastPara="0" vert="horz" wrap="square" lIns="50118" tIns="12700" rIns="50118" bIns="12700" numCol="1" spcCol="1270" anchor="ctr" anchorCtr="0">
           <a:noAutofit/>
         </a:bodyPr>
         <a:lstStyle/>
         <a:p>
-          <a:pPr marL="0" lvl="0" indent="0" algn="ctr" defTabSz="577850">
+          <a:pPr marL="0" lvl="0" indent="0" algn="ctr" defTabSz="1333500">
             <a:lnSpc>
               <a:spcPct val="90000"/>
             </a:lnSpc>
@@ -2307,31 +2852,31 @@
             <a:buNone/>
           </a:pPr>
           <a:r>
-            <a:rPr lang="en-US" sz="1300" kern="1200"/>
-            <a:t>We had to remove the commas from the Sales column to transform it to a Float</a:t>
+            <a:rPr lang="en-US" sz="3000" kern="1200"/>
+            <a:t>2</a:t>
           </a:r>
         </a:p>
       </dsp:txBody>
       <dsp:txXfrm>
-        <a:off x="2948326" y="697228"/>
-        <a:ext cx="2676666" cy="787611"/>
+        <a:off x="2223538" y="934766"/>
+        <a:ext cx="454550" cy="454550"/>
       </dsp:txXfrm>
     </dsp:sp>
-    <dsp:sp modelId="{45508CD6-B9F0-46E8-A9A8-4BAB71099DC4}">
+    <dsp:sp modelId="{78B78A3C-238B-47F2-A75C-A8C6E1F4331E}">
       <dsp:nvSpPr>
         <dsp:cNvPr id="0" name=""/>
         <dsp:cNvSpPr/>
       </dsp:nvSpPr>
       <dsp:spPr>
         <a:xfrm>
-          <a:off x="5805694" y="654620"/>
-          <a:ext cx="2761882" cy="872827"/>
+          <a:off x="1685537" y="2769049"/>
+          <a:ext cx="1530552" cy="72"/>
         </a:xfrm>
-        <a:prstGeom prst="roundRect">
+        <a:prstGeom prst="rect">
           <a:avLst/>
         </a:prstGeom>
         <a:solidFill>
-          <a:schemeClr val="accent1">
+          <a:schemeClr val="dk2">
             <a:hueOff val="0"/>
             <a:satOff val="0"/>
             <a:lumOff val="0"/>
@@ -2340,7 +2885,140 @@
         </a:solidFill>
         <a:ln w="15875" cap="rnd" cmpd="sng" algn="ctr">
           <a:solidFill>
-            <a:schemeClr val="lt1">
+            <a:schemeClr val="dk2">
+              <a:hueOff val="0"/>
+              <a:satOff val="0"/>
+              <a:lumOff val="0"/>
+              <a:alphaOff val="0"/>
+            </a:schemeClr>
+          </a:solidFill>
+          <a:prstDash val="solid"/>
+        </a:ln>
+        <a:effectLst/>
+      </dsp:spPr>
+      <dsp:style>
+        <a:lnRef idx="2">
+          <a:scrgbClr r="0" g="0" b="0"/>
+        </a:lnRef>
+        <a:fillRef idx="1">
+          <a:scrgbClr r="0" g="0" b="0"/>
+        </a:fillRef>
+        <a:effectRef idx="0">
+          <a:scrgbClr r="0" g="0" b="0"/>
+        </a:effectRef>
+        <a:fontRef idx="minor">
+          <a:schemeClr val="lt1"/>
+        </a:fontRef>
+      </dsp:style>
+    </dsp:sp>
+    <dsp:sp modelId="{E24B1181-EBE0-435F-B103-1976003DAD04}">
+      <dsp:nvSpPr>
+        <dsp:cNvPr id="0" name=""/>
+        <dsp:cNvSpPr/>
+      </dsp:nvSpPr>
+      <dsp:spPr>
+        <a:xfrm>
+          <a:off x="3369145" y="626347"/>
+          <a:ext cx="1530552" cy="2142773"/>
+        </a:xfrm>
+        <a:prstGeom prst="rect">
+          <a:avLst/>
+        </a:prstGeom>
+        <a:solidFill>
+          <a:schemeClr val="dk2">
+            <a:alpha val="90000"/>
+            <a:tint val="40000"/>
+            <a:hueOff val="0"/>
+            <a:satOff val="0"/>
+            <a:lumOff val="0"/>
+            <a:alphaOff val="0"/>
+          </a:schemeClr>
+        </a:solidFill>
+        <a:ln w="15875" cap="rnd" cmpd="sng" algn="ctr">
+          <a:solidFill>
+            <a:schemeClr val="dk2">
+              <a:alpha val="90000"/>
+              <a:tint val="40000"/>
+              <a:hueOff val="0"/>
+              <a:satOff val="0"/>
+              <a:lumOff val="0"/>
+              <a:alphaOff val="0"/>
+            </a:schemeClr>
+          </a:solidFill>
+          <a:prstDash val="solid"/>
+        </a:ln>
+        <a:effectLst/>
+      </dsp:spPr>
+      <dsp:style>
+        <a:lnRef idx="2">
+          <a:scrgbClr r="0" g="0" b="0"/>
+        </a:lnRef>
+        <a:fillRef idx="1">
+          <a:scrgbClr r="0" g="0" b="0"/>
+        </a:fillRef>
+        <a:effectRef idx="0">
+          <a:scrgbClr r="0" g="0" b="0"/>
+        </a:effectRef>
+        <a:fontRef idx="minor"/>
+      </dsp:style>
+      <dsp:txBody>
+        <a:bodyPr spcFirstLastPara="0" vert="horz" wrap="square" lIns="119328" tIns="330200" rIns="119328" bIns="330200" numCol="1" spcCol="1270" anchor="t" anchorCtr="0">
+          <a:noAutofit/>
+        </a:bodyPr>
+        <a:lstStyle/>
+        <a:p>
+          <a:pPr marL="0" lvl="0" indent="0" algn="l" defTabSz="488950">
+            <a:lnSpc>
+              <a:spcPct val="90000"/>
+            </a:lnSpc>
+            <a:spcBef>
+              <a:spcPct val="0"/>
+            </a:spcBef>
+            <a:spcAft>
+              <a:spcPct val="35000"/>
+            </a:spcAft>
+            <a:buNone/>
+          </a:pPr>
+          <a:r>
+            <a:rPr lang="en-US" sz="1100" kern="1200"/>
+            <a:t>We ended up with a full set of data on monthly basis from </a:t>
+          </a:r>
+          <a:r>
+            <a:rPr lang="en-US" sz="1100" b="1" kern="1200"/>
+            <a:t>January 2005 through June 2021</a:t>
+          </a:r>
+          <a:endParaRPr lang="en-US" sz="1100" kern="1200"/>
+        </a:p>
+      </dsp:txBody>
+      <dsp:txXfrm>
+        <a:off x="3369145" y="1440601"/>
+        <a:ext cx="1530552" cy="1285664"/>
+      </dsp:txXfrm>
+    </dsp:sp>
+    <dsp:sp modelId="{64E91EA7-2411-4408-B4E9-4C70D990D33E}">
+      <dsp:nvSpPr>
+        <dsp:cNvPr id="0" name=""/>
+        <dsp:cNvSpPr/>
+      </dsp:nvSpPr>
+      <dsp:spPr>
+        <a:xfrm>
+          <a:off x="3813005" y="840625"/>
+          <a:ext cx="642832" cy="642832"/>
+        </a:xfrm>
+        <a:prstGeom prst="ellipse">
+          <a:avLst/>
+        </a:prstGeom>
+        <a:solidFill>
+          <a:schemeClr val="dk2">
+            <a:hueOff val="0"/>
+            <a:satOff val="0"/>
+            <a:lumOff val="0"/>
+            <a:alphaOff val="0"/>
+          </a:schemeClr>
+        </a:solidFill>
+        <a:ln w="15875" cap="rnd" cmpd="sng" algn="ctr">
+          <a:solidFill>
+            <a:schemeClr val="dk2">
               <a:hueOff val="0"/>
               <a:satOff val="0"/>
               <a:lumOff val="0"/>
@@ -2366,12 +3044,12 @@
         </a:fontRef>
       </dsp:style>
       <dsp:txBody>
-        <a:bodyPr spcFirstLastPara="0" vert="horz" wrap="square" lIns="49530" tIns="49530" rIns="49530" bIns="49530" numCol="1" spcCol="1270" anchor="ctr" anchorCtr="0">
+        <a:bodyPr spcFirstLastPara="0" vert="horz" wrap="square" lIns="50118" tIns="12700" rIns="50118" bIns="12700" numCol="1" spcCol="1270" anchor="ctr" anchorCtr="0">
           <a:noAutofit/>
         </a:bodyPr>
         <a:lstStyle/>
         <a:p>
-          <a:pPr marL="0" lvl="0" indent="0" algn="ctr" defTabSz="577850">
+          <a:pPr marL="0" lvl="0" indent="0" algn="ctr" defTabSz="1333500">
             <a:lnSpc>
               <a:spcPct val="90000"/>
             </a:lnSpc>
@@ -2384,36 +3062,31 @@
             <a:buNone/>
           </a:pPr>
           <a:r>
-            <a:rPr lang="en-US" sz="1300" kern="1200"/>
-            <a:t>We ended up with a full set of data on monthly basis from </a:t>
+            <a:rPr lang="en-US" sz="3000" kern="1200"/>
+            <a:t>3</a:t>
           </a:r>
-          <a:r>
-            <a:rPr lang="en-US" sz="1300" b="1" kern="1200"/>
-            <a:t>January 2005 through June 2021</a:t>
-          </a:r>
-          <a:endParaRPr lang="en-US" sz="1300" kern="1200"/>
         </a:p>
       </dsp:txBody>
       <dsp:txXfrm>
-        <a:off x="5848302" y="697228"/>
-        <a:ext cx="2676666" cy="787611"/>
+        <a:off x="3907146" y="934766"/>
+        <a:ext cx="454550" cy="454550"/>
       </dsp:txXfrm>
     </dsp:sp>
-    <dsp:sp modelId="{84071D28-F94F-4544-9C0E-C47D0043B870}">
+    <dsp:sp modelId="{FF501526-DC84-441A-8EFD-374DD6EFEB2F}">
       <dsp:nvSpPr>
         <dsp:cNvPr id="0" name=""/>
         <dsp:cNvSpPr/>
       </dsp:nvSpPr>
       <dsp:spPr>
         <a:xfrm>
-          <a:off x="8705670" y="654620"/>
-          <a:ext cx="2761882" cy="872827"/>
+          <a:off x="3369145" y="2769049"/>
+          <a:ext cx="1530552" cy="72"/>
         </a:xfrm>
-        <a:prstGeom prst="roundRect">
+        <a:prstGeom prst="rect">
           <a:avLst/>
         </a:prstGeom>
         <a:solidFill>
-          <a:schemeClr val="accent1">
+          <a:schemeClr val="dk2">
             <a:hueOff val="0"/>
             <a:satOff val="0"/>
             <a:lumOff val="0"/>
@@ -2422,7 +3095,135 @@
         </a:solidFill>
         <a:ln w="15875" cap="rnd" cmpd="sng" algn="ctr">
           <a:solidFill>
-            <a:schemeClr val="lt1">
+            <a:schemeClr val="dk2">
+              <a:hueOff val="0"/>
+              <a:satOff val="0"/>
+              <a:lumOff val="0"/>
+              <a:alphaOff val="0"/>
+            </a:schemeClr>
+          </a:solidFill>
+          <a:prstDash val="solid"/>
+        </a:ln>
+        <a:effectLst/>
+      </dsp:spPr>
+      <dsp:style>
+        <a:lnRef idx="2">
+          <a:scrgbClr r="0" g="0" b="0"/>
+        </a:lnRef>
+        <a:fillRef idx="1">
+          <a:scrgbClr r="0" g="0" b="0"/>
+        </a:fillRef>
+        <a:effectRef idx="0">
+          <a:scrgbClr r="0" g="0" b="0"/>
+        </a:effectRef>
+        <a:fontRef idx="minor">
+          <a:schemeClr val="lt1"/>
+        </a:fontRef>
+      </dsp:style>
+    </dsp:sp>
+    <dsp:sp modelId="{33D62F25-E540-426E-92B5-A6DD1D8A4C7F}">
+      <dsp:nvSpPr>
+        <dsp:cNvPr id="0" name=""/>
+        <dsp:cNvSpPr/>
+      </dsp:nvSpPr>
+      <dsp:spPr>
+        <a:xfrm>
+          <a:off x="5052753" y="626347"/>
+          <a:ext cx="1530552" cy="2142773"/>
+        </a:xfrm>
+        <a:prstGeom prst="rect">
+          <a:avLst/>
+        </a:prstGeom>
+        <a:solidFill>
+          <a:schemeClr val="dk2">
+            <a:alpha val="90000"/>
+            <a:tint val="40000"/>
+            <a:hueOff val="0"/>
+            <a:satOff val="0"/>
+            <a:lumOff val="0"/>
+            <a:alphaOff val="0"/>
+          </a:schemeClr>
+        </a:solidFill>
+        <a:ln w="15875" cap="rnd" cmpd="sng" algn="ctr">
+          <a:solidFill>
+            <a:schemeClr val="dk2">
+              <a:alpha val="90000"/>
+              <a:tint val="40000"/>
+              <a:hueOff val="0"/>
+              <a:satOff val="0"/>
+              <a:lumOff val="0"/>
+              <a:alphaOff val="0"/>
+            </a:schemeClr>
+          </a:solidFill>
+          <a:prstDash val="solid"/>
+        </a:ln>
+        <a:effectLst/>
+      </dsp:spPr>
+      <dsp:style>
+        <a:lnRef idx="2">
+          <a:scrgbClr r="0" g="0" b="0"/>
+        </a:lnRef>
+        <a:fillRef idx="1">
+          <a:scrgbClr r="0" g="0" b="0"/>
+        </a:fillRef>
+        <a:effectRef idx="0">
+          <a:scrgbClr r="0" g="0" b="0"/>
+        </a:effectRef>
+        <a:fontRef idx="minor"/>
+      </dsp:style>
+      <dsp:txBody>
+        <a:bodyPr spcFirstLastPara="0" vert="horz" wrap="square" lIns="119328" tIns="330200" rIns="119328" bIns="330200" numCol="1" spcCol="1270" anchor="t" anchorCtr="0">
+          <a:noAutofit/>
+        </a:bodyPr>
+        <a:lstStyle/>
+        <a:p>
+          <a:pPr marL="0" lvl="0" indent="0" algn="l" defTabSz="488950">
+            <a:lnSpc>
+              <a:spcPct val="90000"/>
+            </a:lnSpc>
+            <a:spcBef>
+              <a:spcPct val="0"/>
+            </a:spcBef>
+            <a:spcAft>
+              <a:spcPct val="35000"/>
+            </a:spcAft>
+            <a:buNone/>
+          </a:pPr>
+          <a:r>
+            <a:rPr lang="en-US" sz="1100" kern="1200"/>
+            <a:t>Finally, we used the CSV panda to output the final data frame into a clean CSV file</a:t>
+          </a:r>
+        </a:p>
+      </dsp:txBody>
+      <dsp:txXfrm>
+        <a:off x="5052753" y="1440601"/>
+        <a:ext cx="1530552" cy="1285664"/>
+      </dsp:txXfrm>
+    </dsp:sp>
+    <dsp:sp modelId="{BF7F31DC-BC5B-4B14-A620-951A2E98E3A9}">
+      <dsp:nvSpPr>
+        <dsp:cNvPr id="0" name=""/>
+        <dsp:cNvSpPr/>
+      </dsp:nvSpPr>
+      <dsp:spPr>
+        <a:xfrm>
+          <a:off x="5496613" y="840625"/>
+          <a:ext cx="642832" cy="642832"/>
+        </a:xfrm>
+        <a:prstGeom prst="ellipse">
+          <a:avLst/>
+        </a:prstGeom>
+        <a:solidFill>
+          <a:schemeClr val="dk2">
+            <a:hueOff val="0"/>
+            <a:satOff val="0"/>
+            <a:lumOff val="0"/>
+            <a:alphaOff val="0"/>
+          </a:schemeClr>
+        </a:solidFill>
+        <a:ln w="15875" cap="rnd" cmpd="sng" algn="ctr">
+          <a:solidFill>
+            <a:schemeClr val="dk2">
               <a:hueOff val="0"/>
               <a:satOff val="0"/>
               <a:lumOff val="0"/>
@@ -2448,12 +3249,12 @@
         </a:fontRef>
       </dsp:style>
       <dsp:txBody>
-        <a:bodyPr spcFirstLastPara="0" vert="horz" wrap="square" lIns="49530" tIns="49530" rIns="49530" bIns="49530" numCol="1" spcCol="1270" anchor="ctr" anchorCtr="0">
+        <a:bodyPr spcFirstLastPara="0" vert="horz" wrap="square" lIns="50118" tIns="12700" rIns="50118" bIns="12700" numCol="1" spcCol="1270" anchor="ctr" anchorCtr="0">
           <a:noAutofit/>
         </a:bodyPr>
         <a:lstStyle/>
         <a:p>
-          <a:pPr marL="0" lvl="0" indent="0" algn="ctr" defTabSz="577850">
+          <a:pPr marL="0" lvl="0" indent="0" algn="ctr" defTabSz="1333500">
             <a:lnSpc>
               <a:spcPct val="90000"/>
             </a:lnSpc>
@@ -2466,31 +3267,143 @@
             <a:buNone/>
           </a:pPr>
           <a:r>
-            <a:rPr lang="en-US" sz="1300" kern="1200"/>
-            <a:t>Finally, we used the CSV panda to output the final data frame into a clean CSV file</a:t>
+            <a:rPr lang="en-US" sz="3000" kern="1200"/>
+            <a:t>4</a:t>
           </a:r>
         </a:p>
       </dsp:txBody>
       <dsp:txXfrm>
-        <a:off x="8748278" y="697228"/>
-        <a:ext cx="2676666" cy="787611"/>
+        <a:off x="5590754" y="934766"/>
+        <a:ext cx="454550" cy="454550"/>
       </dsp:txXfrm>
+    </dsp:sp>
+    <dsp:sp modelId="{E105DE63-5C9B-4E52-8717-2D0E7C73106B}">
+      <dsp:nvSpPr>
+        <dsp:cNvPr id="0" name=""/>
+        <dsp:cNvSpPr/>
+      </dsp:nvSpPr>
+      <dsp:spPr>
+        <a:xfrm>
+          <a:off x="5052753" y="2769049"/>
+          <a:ext cx="1530552" cy="72"/>
+        </a:xfrm>
+        <a:prstGeom prst="rect">
+          <a:avLst/>
+        </a:prstGeom>
+        <a:solidFill>
+          <a:schemeClr val="dk2">
+            <a:hueOff val="0"/>
+            <a:satOff val="0"/>
+            <a:lumOff val="0"/>
+            <a:alphaOff val="0"/>
+          </a:schemeClr>
+        </a:solidFill>
+        <a:ln w="15875" cap="rnd" cmpd="sng" algn="ctr">
+          <a:solidFill>
+            <a:schemeClr val="dk2">
+              <a:hueOff val="0"/>
+              <a:satOff val="0"/>
+              <a:lumOff val="0"/>
+              <a:alphaOff val="0"/>
+            </a:schemeClr>
+          </a:solidFill>
+          <a:prstDash val="solid"/>
+        </a:ln>
+        <a:effectLst/>
+      </dsp:spPr>
+      <dsp:style>
+        <a:lnRef idx="2">
+          <a:scrgbClr r="0" g="0" b="0"/>
+        </a:lnRef>
+        <a:fillRef idx="1">
+          <a:scrgbClr r="0" g="0" b="0"/>
+        </a:fillRef>
+        <a:effectRef idx="0">
+          <a:scrgbClr r="0" g="0" b="0"/>
+        </a:effectRef>
+        <a:fontRef idx="minor">
+          <a:schemeClr val="lt1"/>
+        </a:fontRef>
+      </dsp:style>
     </dsp:sp>
   </dsp:spTree>
 </dsp:drawing>
 </file>
 
 <file path=ppt/diagrams/layout1.xml><?xml version="1.0" encoding="utf-8"?>
-<dgm:layoutDef xmlns:dgm="http://schemas.openxmlformats.org/drawingml/2006/diagram" xmlns:a="http://schemas.openxmlformats.org/drawingml/2006/main" uniqueId="urn:microsoft.com/office/officeart/2005/8/layout/hProcess9">
-  <dgm:title val=""/>
-  <dgm:desc val=""/>
+<dgm:layoutDef xmlns:dgm="http://schemas.openxmlformats.org/drawingml/2006/diagram" xmlns:a="http://schemas.openxmlformats.org/drawingml/2006/main" uniqueId="urn:microsoft.com/office/officeart/2016/7/layout/BasicLinearProcessNumbered">
+  <dgm:title val="Basic Linear Process Numbered"/>
+  <dgm:desc val="Used to show a progression; a timeline; sequential steps in a task, process, or workflow; or to emphasize movement or direction. Automatic numbers have been introduced to show the steps of the process which appears in a circle. Level 1 and Level 2 text appear in a rectangle."/>
   <dgm:catLst>
-    <dgm:cat type="process" pri="5000"/>
-    <dgm:cat type="convert" pri="13000"/>
+    <dgm:cat type="process" pri="500"/>
   </dgm:catLst>
-  <dgm:sampData useDef="1">
+  <dgm:sampData>
     <dgm:dataModel>
-      <dgm:ptLst/>
+      <dgm:ptLst>
+        <dgm:pt modelId="0" type="doc"/>
+        <dgm:pt modelId="1">
+          <dgm:prSet phldr="1"/>
+        </dgm:pt>
+        <dgm:pt modelId="11">
+          <dgm:prSet phldr="1"/>
+        </dgm:pt>
+        <dgm:pt modelId="2">
+          <dgm:prSet phldr="1"/>
+        </dgm:pt>
+        <dgm:pt modelId="21">
+          <dgm:prSet phldr="1"/>
+        </dgm:pt>
+        <dgm:pt modelId="3">
+          <dgm:prSet phldr="1"/>
+        </dgm:pt>
+        <dgm:pt modelId="31">
+          <dgm:prSet phldr="1"/>
+        </dgm:pt>
+        <dgm:pt modelId="101" type="sibTrans" cxnId="4">
+          <dgm:prSet phldrT="1"/>
+          <dgm:t>
+            <a:bodyPr/>
+            <a:lstStyle/>
+            <a:p>
+              <a:r>
+                <a:t>1</a:t>
+              </a:r>
+            </a:p>
+          </dgm:t>
+        </dgm:pt>
+        <dgm:pt modelId="201" type="sibTrans" cxnId="5">
+          <dgm:prSet phldrT="2"/>
+          <dgm:t>
+            <a:bodyPr/>
+            <a:lstStyle/>
+            <a:p>
+              <a:r>
+                <a:t>2</a:t>
+              </a:r>
+            </a:p>
+          </dgm:t>
+        </dgm:pt>
+        <dgm:pt modelId="301" type="sibTrans" cxnId="6">
+          <dgm:prSet phldrT="3"/>
+          <dgm:t>
+            <a:bodyPr/>
+            <a:lstStyle/>
+            <a:p>
+              <a:r>
+                <a:t>3</a:t>
+              </a:r>
+            </a:p>
+          </dgm:t>
+        </dgm:pt>
+      </dgm:ptLst>
+      <dgm:cxnLst>
+        <dgm:cxn modelId="4" srcId="0" destId="1" srcOrd="0" destOrd="0" sibTransId="101"/>
+        <dgm:cxn modelId="5" srcId="0" destId="2" srcOrd="1" destOrd="0" sibTransId="201"/>
+        <dgm:cxn modelId="6" srcId="0" destId="3" srcOrd="2" destOrd="0" sibTransId="301"/>
+        <dgm:cxn modelId="13" srcId="1" destId="11" srcOrd="0" destOrd="0"/>
+        <dgm:cxn modelId="23" srcId="2" destId="21" srcOrd="0" destOrd="0"/>
+        <dgm:cxn modelId="33" srcId="3" destId="31" srcOrd="0" destOrd="0"/>
+      </dgm:cxnLst>
       <dgm:bg/>
       <dgm:whole/>
     </dgm:dataModel>
@@ -2500,11 +3413,15 @@
       <dgm:ptLst>
         <dgm:pt modelId="0" type="doc"/>
         <dgm:pt modelId="1"/>
+        <dgm:pt modelId="11"/>
         <dgm:pt modelId="2"/>
+        <dgm:pt modelId="21"/>
       </dgm:ptLst>
       <dgm:cxnLst>
-        <dgm:cxn modelId="3" srcId="0" destId="1" srcOrd="0" destOrd="0"/>
-        <dgm:cxn modelId="4" srcId="0" destId="2" srcOrd="1" destOrd="0"/>
+        <dgm:cxn modelId="4" srcId="0" destId="1" srcOrd="0" destOrd="0"/>
+        <dgm:cxn modelId="5" srcId="0" destId="2" srcOrd="1" destOrd="0"/>
+        <dgm:cxn modelId="13" srcId="1" destId="11" srcOrd="0" destOrd="0"/>
+        <dgm:cxn modelId="23" srcId="2" destId="21" srcOrd="0" destOrd="0"/>
       </dgm:cxnLst>
       <dgm:bg/>
       <dgm:whole/>
@@ -2515,122 +3432,178 @@
       <dgm:ptLst>
         <dgm:pt modelId="0" type="doc"/>
         <dgm:pt modelId="1"/>
+        <dgm:pt modelId="11"/>
         <dgm:pt modelId="2"/>
+        <dgm:pt modelId="21"/>
         <dgm:pt modelId="3"/>
+        <dgm:pt modelId="31"/>
         <dgm:pt modelId="4"/>
+        <dgm:pt modelId="41"/>
       </dgm:ptLst>
       <dgm:cxnLst>
         <dgm:cxn modelId="5" srcId="0" destId="1" srcOrd="0" destOrd="0"/>
         <dgm:cxn modelId="6" srcId="0" destId="2" srcOrd="1" destOrd="0"/>
         <dgm:cxn modelId="7" srcId="0" destId="3" srcOrd="2" destOrd="0"/>
         <dgm:cxn modelId="8" srcId="0" destId="4" srcOrd="3" destOrd="0"/>
+        <dgm:cxn modelId="13" srcId="1" destId="11" srcOrd="0" destOrd="0"/>
+        <dgm:cxn modelId="23" srcId="2" destId="21" srcOrd="0" destOrd="0"/>
+        <dgm:cxn modelId="33" srcId="3" destId="31" srcOrd="0" destOrd="0"/>
+        <dgm:cxn modelId="43" srcId="4" destId="41" srcOrd="0" destOrd="0"/>
       </dgm:cxnLst>
       <dgm:bg/>
       <dgm:whole/>
     </dgm:dataModel>
   </dgm:clrData>
-  <dgm:layoutNode name="CompostProcess">
+  <dgm:layoutNode name="Name0">
     <dgm:varLst>
-      <dgm:dir/>
+      <dgm:animLvl val="lvl"/>
       <dgm:resizeHandles val="exact"/>
     </dgm:varLst>
-    <dgm:alg type="composite">
-      <dgm:param type="horzAlign" val="ctr"/>
-      <dgm:param type="vertAlign" val="mid"/>
+    <dgm:alg type="lin">
+      <dgm:param type="linDir" val="fromL"/>
+      <dgm:param type="nodeVertAlign" val="t"/>
     </dgm:alg>
     <dgm:shape xmlns:r="http://schemas.openxmlformats.org/officeDocument/2006/relationships" r:blip="">
       <dgm:adjLst/>
     </dgm:shape>
     <dgm:presOf/>
     <dgm:constrLst>
-      <dgm:constr type="w" for="ch" forName="arrow" refType="w" fact="0.85"/>
-      <dgm:constr type="h" for="ch" forName="arrow" refType="h"/>
-      <dgm:constr type="ctrX" for="ch" forName="arrow" refType="w" fact="0.5"/>
-      <dgm:constr type="ctrY" for="ch" forName="arrow" refType="h" fact="0.5"/>
-      <dgm:constr type="w" for="ch" forName="linearProcess" refType="w"/>
-      <dgm:constr type="h" for="ch" forName="linearProcess" refType="h" fact="0.4"/>
-      <dgm:constr type="ctrX" for="ch" forName="linearProcess" refType="w" fact="0.5"/>
-      <dgm:constr type="ctrY" for="ch" forName="linearProcess" refType="h" fact="0.5"/>
+      <dgm:constr type="h" for="ch" forName="compositeNode" refType="h"/>
+      <dgm:constr type="w" for="ch" forName="compositeNode" refType="w"/>
+      <dgm:constr type="w" for="des" forName="simulatedConn" refType="w" refFor="ch" refForName="compositeNode" fact="0.15"/>
+      <dgm:constr type="h" for="des" forName="simulatedConn" refType="w" refFor="des" refForName="simulatedConn"/>
+      <dgm:constr type="h" for="des" forName="vSp1" refType="w" refFor="ch" refForName="compositeNode" fact="0.8"/>
+      <dgm:constr type="h" for="des" forName="vSp2" refType="w" refFor="ch" refForName="compositeNode" fact="0.07"/>
+      <dgm:constr type="w" for="ch" forName="vProcSp" refType="w" refFor="des" refForName="simulatedConn" op="equ"/>
+      <dgm:constr type="h" for="ch" forName="vProcSp" refType="h" refFor="ch" refForName="compositeNode" op="equ"/>
+      <dgm:constr type="w" for="ch" forName="sibTrans" refType="w" refFor="ch" refForName="compositeNode" fact="0.1"/>
+      <dgm:constr type="primFontSz" for="des" forName="sibTransNodeCircle" op="equ"/>
+      <dgm:constr type="primFontSz" for="des" forName="nodeText" op="equ"/>
+      <dgm:constr type="h" for="des" forName="sibTransNodeCircle" op="equ"/>
+      <dgm:constr type="w" for="des" forName="sibTransNodeCircle" op="equ"/>
     </dgm:constrLst>
-    <dgm:ruleLst/>
-    <dgm:layoutNode name="arrow" styleLbl="bgShp">
-      <dgm:alg type="sp"/>
-      <dgm:choose name="Name0">
-        <dgm:if name="Name1" func="var" arg="dir" op="equ" val="norm">
-          <dgm:shape xmlns:r="http://schemas.openxmlformats.org/officeDocument/2006/relationships" type="rightArrow" r:blip="">
+    <dgm:ruleLst>
+      <dgm:rule type="h" val="NaN" fact="1.2" max="NaN"/>
+    </dgm:ruleLst>
+    <dgm:forEach name="Name4" axis="ch" ptType="node">
+      <dgm:layoutNode name="compositeNode">
+        <dgm:varLst>
+          <dgm:bulletEnabled val="1"/>
+        </dgm:varLst>
+        <dgm:alg type="composite"/>
+        <dgm:constrLst>
+          <dgm:constr type="h" refType="w" op="lte" fact="1.4"/>
+          <dgm:constr type="w" for="ch" forName="bgRect" refType="w"/>
+          <dgm:constr type="h" for="ch" forName="bgRect" refType="h"/>
+          <dgm:constr type="t" for="ch" forName="bgRect"/>
+          <dgm:constr type="l" for="ch" forName="bgRect"/>
+          <dgm:constr type="h" for="ch" forName="sibTransNodeCircle" refType="h" refFor="ch" refForName="bgRect" fact="0.3"/>
+          <dgm:constr type="w" for="ch" forName="sibTransNodeCircle" refType="h" refFor="ch" refForName="sibTransNodeCircle"/>
+          <dgm:constr type="ctrX" for="ch" forName="sibTransNodeCircle" refType="w" fact="0.5"/>
+          <dgm:constr type="ctrY" for="ch" forName="sibTransNodeCircle" refType="h" fact="0.25"/>
+          <dgm:constr type="r" for="ch" forName="nodeText" refType="r" refFor="ch" refForName="bgRect"/>
+          <dgm:constr type="h" for="ch" forName="nodeText" refType="h" refFor="ch" refForName="bgRect" fact="0.6"/>
+          <dgm:constr type="t" for="ch" forName="nodeText" refType="h" refFor="ch" refForName="bgRect" fact="0.38"/>
+          <dgm:constr type="b" for="ch" forName="bottomLine" refType="b" refFor="ch" refForName="bgRect"/>
+          <dgm:constr type="w" for="ch" forName="bottomLine" refType="w" refFor="ch" refForName="bgRect"/>
+          <dgm:constr type="h" for="ch" forName="bottomLine" val="0.002"/>
+        </dgm:constrLst>
+        <dgm:ruleLst/>
+        <dgm:layoutNode name="bgRect" styleLbl="bgAccFollowNode1">
+          <dgm:alg type="sp"/>
+          <dgm:shape xmlns:r="http://schemas.openxmlformats.org/officeDocument/2006/relationships" type="rect" r:blip="">
             <dgm:adjLst/>
           </dgm:shape>
-        </dgm:if>
-        <dgm:else name="Name2">
-          <dgm:shape xmlns:r="http://schemas.openxmlformats.org/officeDocument/2006/relationships" type="leftArrow" r:blip="">
+          <dgm:presOf axis="self"/>
+          <dgm:constrLst/>
+          <dgm:ruleLst/>
+        </dgm:layoutNode>
+        <dgm:forEach name="Name19" axis="followSib" ptType="sibTrans" hideLastTrans="0" cnt="1">
+          <dgm:layoutNode name="sibTransNodeCircle" styleLbl="alignNode1">
+            <dgm:varLst>
+              <dgm:chMax val="0"/>
+              <dgm:bulletEnabled/>
+            </dgm:varLst>
+            <dgm:presOf axis="self" ptType="sibTrans"/>
+            <dgm:alg type="tx">
+              <dgm:param type="txAnchorVert" val="mid"/>
+              <dgm:param type="txAnchorHorzCh" val="ctr"/>
+            </dgm:alg>
+            <dgm:shape xmlns:r="http://schemas.openxmlformats.org/officeDocument/2006/relationships" type="ellipse" r:blip="">
+              <dgm:adjLst/>
+            </dgm:shape>
+            <dgm:constrLst>
+              <dgm:constr type="w" refType="h" op="lte"/>
+              <dgm:constr type="primFontSz" val="48"/>
+              <dgm:constr type="tMarg" val="1"/>
+              <dgm:constr type="lMarg" refType="w" fact="0.221"/>
+              <dgm:constr type="rMarg" refType="w" fact="0.221"/>
+              <dgm:constr type="bMarg" val="1"/>
+            </dgm:constrLst>
+            <dgm:ruleLst>
+              <dgm:rule type="primFontSz" val="14" fact="NaN" max="NaN"/>
+            </dgm:ruleLst>
+          </dgm:layoutNode>
+        </dgm:forEach>
+        <dgm:layoutNode name="bottomLine" styleLbl="alignNode1">
+          <dgm:varLst/>
+          <dgm:presOf/>
+          <dgm:alg type="sp"/>
+          <dgm:shape xmlns:r="http://schemas.openxmlformats.org/officeDocument/2006/relationships" type="rect" r:blip="">
             <dgm:adjLst/>
           </dgm:shape>
-        </dgm:else>
-      </dgm:choose>
-      <dgm:presOf/>
-      <dgm:constrLst/>
-      <dgm:ruleLst/>
-    </dgm:layoutNode>
-    <dgm:layoutNode name="linearProcess">
-      <dgm:choose name="Name3">
-        <dgm:if name="Name4" func="var" arg="dir" op="equ" val="norm">
-          <dgm:alg type="lin"/>
-        </dgm:if>
-        <dgm:else name="Name5">
-          <dgm:alg type="lin">
-            <dgm:param type="linDir" val="fromR"/>
-          </dgm:alg>
-        </dgm:else>
-      </dgm:choose>
-      <dgm:shape xmlns:r="http://schemas.openxmlformats.org/officeDocument/2006/relationships" r:blip="">
-        <dgm:adjLst/>
-      </dgm:shape>
-      <dgm:presOf/>
-      <dgm:constrLst>
-        <dgm:constr type="userA" for="ch" ptType="node" refType="w"/>
-        <dgm:constr type="h" for="ch" ptType="node" refType="h"/>
-        <dgm:constr type="w" for="ch" ptType="node" op="equ"/>
-        <dgm:constr type="w" for="ch" forName="sibTrans" refType="w" fact="0.05"/>
-        <dgm:constr type="primFontSz" for="ch" ptType="node" op="equ" val="65"/>
-      </dgm:constrLst>
-      <dgm:ruleLst/>
-      <dgm:forEach name="Name6" axis="ch" ptType="node">
-        <dgm:layoutNode name="textNode" styleLbl="node1">
+          <dgm:constrLst/>
+          <dgm:ruleLst/>
+        </dgm:layoutNode>
+        <dgm:layoutNode name="nodeText" styleLbl="bgAccFollowNode1" moveWith="bgRect">
           <dgm:varLst>
             <dgm:bulletEnabled val="1"/>
           </dgm:varLst>
-          <dgm:alg type="tx"/>
-          <dgm:shape xmlns:r="http://schemas.openxmlformats.org/officeDocument/2006/relationships" type="roundRect" r:blip="">
+          <dgm:alg type="tx">
+            <dgm:param type="parTxLTRAlign" val="l"/>
+            <dgm:param type="parTxRTLAlign" val="r"/>
+            <dgm:param type="txAnchorVert" val="t"/>
+          </dgm:alg>
+          <dgm:shape xmlns:r="http://schemas.openxmlformats.org/officeDocument/2006/relationships" type="rect" r:blip="" zOrderOff="-1" hideGeom="1">
             <dgm:adjLst/>
           </dgm:shape>
           <dgm:presOf axis="desOrSelf" ptType="node"/>
           <dgm:constrLst>
-            <dgm:constr type="userA"/>
-            <dgm:constr type="w" refType="userA" fact="0.3"/>
-            <dgm:constr type="tMarg" refType="primFontSz" fact="0.3"/>
-            <dgm:constr type="bMarg" refType="primFontSz" fact="0.3"/>
-            <dgm:constr type="lMarg" refType="primFontSz" fact="0.3"/>
-            <dgm:constr type="rMarg" refType="primFontSz" fact="0.3"/>
+            <dgm:constr type="primFontSz" val="26"/>
+            <dgm:constr type="tMarg" val="26"/>
+            <dgm:constr type="lMarg" refType="w" fact="0.221"/>
+            <dgm:constr type="rMarg" refType="w" fact="0.221"/>
+            <dgm:constr type="bMarg" val="26"/>
           </dgm:constrLst>
           <dgm:ruleLst>
-            <dgm:rule type="w" val="NaN" fact="1" max="NaN"/>
-            <dgm:rule type="primFontSz" val="5" fact="NaN" max="NaN"/>
+            <dgm:rule type="primFontSz" val="11" fact="NaN" max="NaN"/>
           </dgm:ruleLst>
         </dgm:layoutNode>
-        <dgm:forEach name="Name7" axis="followSib" ptType="sibTrans" cnt="1">
-          <dgm:layoutNode name="sibTrans">
-            <dgm:alg type="sp"/>
-            <dgm:shape xmlns:r="http://schemas.openxmlformats.org/officeDocument/2006/relationships" r:blip="">
-              <dgm:adjLst/>
-            </dgm:shape>
-            <dgm:presOf/>
-            <dgm:constrLst/>
-            <dgm:ruleLst/>
-          </dgm:layoutNode>
-        </dgm:forEach>
+      </dgm:layoutNode>
+      <dgm:forEach name="Name14" axis="followSib" ptType="sibTrans" cnt="1">
+        <dgm:layoutNode name="sibTrans">
+          <dgm:alg type="sp"/>
+          <dgm:shape xmlns:r="http://schemas.openxmlformats.org/officeDocument/2006/relationships" r:blip="">
+            <dgm:adjLst/>
+          </dgm:shape>
+          <dgm:presOf/>
+          <dgm:constrLst/>
+          <dgm:ruleLst/>
+        </dgm:layoutNode>
       </dgm:forEach>
-    </dgm:layoutNode>
+    </dgm:forEach>
   </dgm:layoutNode>
+  <dgm:extLst>
+    <a:ext uri="{4F341089-5ED1-44EC-B178-C955D00A3D55}">
+      <dgm1611:autoBuNodeInfoLst xmlns:dgm1611="http://schemas.microsoft.com/office/drawing/2016/11/diagram">
+        <dgm1611:autoBuNodeInfo lvl="1" ptType="sibTrans">
+          <dgm1611:buPr prefix="" leadZeros="0">
+            <a:buAutoNum type="arabicParenBoth"/>
+          </dgm1611:buPr>
+        </dgm1611:autoBuNodeInfo>
+      </dgm1611:autoBuNodeInfoLst>
+    </a:ext>
+  </dgm:extLst>
 </dgm:layoutDef>
 </file>
 
@@ -12133,9 +13106,9 @@
           <p:nvPr/>
         </p:nvSpPr>
         <p:spPr>
-          <a:xfrm rot="2744345">
-            <a:off x="4220754" y="4703867"/>
-            <a:ext cx="3181284" cy="1776987"/>
+          <a:xfrm rot="2868589">
+            <a:off x="4390439" y="4857092"/>
+            <a:ext cx="3181284" cy="640311"/>
           </a:xfrm>
           <a:prstGeom prst="curvedUpArrow">
             <a:avLst/>
@@ -12241,6 +13214,14 @@
 <file path=ppt/slides/slide7.xml><?xml version="1.0" encoding="utf-8"?>
 <p:sld xmlns:a="http://schemas.openxmlformats.org/drawingml/2006/main" xmlns:r="http://schemas.openxmlformats.org/officeDocument/2006/relationships" xmlns:p="http://schemas.openxmlformats.org/presentationml/2006/main">
   <p:cSld>
+    <p:bg>
+      <p:bgPr>
+        <a:solidFill>
+          <a:schemeClr val="bg1"/>
+        </a:solidFill>
+        <a:effectLst/>
+      </p:bgPr>
+    </p:bg>
     <p:spTree>
       <p:nvGrpSpPr>
         <p:cNvPr id="1" name=""/>
@@ -12255,6 +13236,265 @@
           <a:chExt cx="0" cy="0"/>
         </a:xfrm>
       </p:grpSpPr>
+      <p:sp>
+        <p:nvSpPr>
+          <p:cNvPr id="55" name="Rectangle 27">
+            <a:extLst>
+              <a:ext uri="{FF2B5EF4-FFF2-40B4-BE49-F238E27FC236}">
+                <a16:creationId xmlns:a16="http://schemas.microsoft.com/office/drawing/2014/main" id="{022AEB96-A3F8-4EC3-A246-8DAD9319AC20}"/>
+              </a:ext>
+              <a:ext uri="{C183D7F6-B498-43B3-948B-1728B52AA6E4}">
+                <adec:decorative xmlns:adec="http://schemas.microsoft.com/office/drawing/2017/decorative" val="1"/>
+              </a:ext>
+            </a:extLst>
+          </p:cNvPr>
+          <p:cNvSpPr>
+            <a:spLocks noGrp="1" noRot="1" noChangeAspect="1" noMove="1" noResize="1" noEditPoints="1" noAdjustHandles="1" noChangeArrowheads="1" noChangeShapeType="1" noTextEdit="1"/>
+          </p:cNvSpPr>
+          <p:nvPr>
+            <p:extLst>
+              <p:ext uri="{386F3935-93C4-4BCD-93E2-E3B085C9AB24}">
+                <p16:designElem xmlns:p16="http://schemas.microsoft.com/office/powerpoint/2015/main" val="1"/>
+              </p:ext>
+            </p:extLst>
+          </p:nvPr>
+        </p:nvSpPr>
+        <p:spPr>
+          <a:xfrm>
+            <a:off x="0" y="0"/>
+            <a:ext cx="12188952" cy="6858000"/>
+          </a:xfrm>
+          <a:prstGeom prst="rect">
+            <a:avLst/>
+          </a:prstGeom>
+          <a:solidFill>
+            <a:schemeClr val="bg1"/>
+          </a:solidFill>
+          <a:ln>
+            <a:noFill/>
+          </a:ln>
+        </p:spPr>
+        <p:style>
+          <a:lnRef idx="2">
+            <a:schemeClr val="accent1">
+              <a:shade val="50000"/>
+            </a:schemeClr>
+          </a:lnRef>
+          <a:fillRef idx="1">
+            <a:schemeClr val="accent1"/>
+          </a:fillRef>
+          <a:effectRef idx="0">
+            <a:schemeClr val="accent1"/>
+          </a:effectRef>
+          <a:fontRef idx="minor">
+            <a:schemeClr val="lt1"/>
+          </a:fontRef>
+        </p:style>
+        <p:txBody>
+          <a:bodyPr rtlCol="0" anchor="ctr"/>
+          <a:lstStyle/>
+          <a:p>
+            <a:pPr algn="ctr"/>
+            <a:endParaRPr lang="en-US"/>
+          </a:p>
+        </p:txBody>
+      </p:sp>
+      <p:sp>
+        <p:nvSpPr>
+          <p:cNvPr id="56" name="Freeform 23">
+            <a:extLst>
+              <a:ext uri="{FF2B5EF4-FFF2-40B4-BE49-F238E27FC236}">
+                <a16:creationId xmlns:a16="http://schemas.microsoft.com/office/drawing/2014/main" id="{14002556-A10E-479D-9B30-0C8B7938EF41}"/>
+              </a:ext>
+              <a:ext uri="{C183D7F6-B498-43B3-948B-1728B52AA6E4}">
+                <adec:decorative xmlns:adec="http://schemas.microsoft.com/office/drawing/2017/decorative" val="1"/>
+              </a:ext>
+            </a:extLst>
+          </p:cNvPr>
+          <p:cNvSpPr>
+            <a:spLocks noGrp="1" noRot="1" noChangeAspect="1" noMove="1" noResize="1" noEditPoints="1" noAdjustHandles="1" noChangeArrowheads="1" noChangeShapeType="1" noTextEdit="1"/>
+          </p:cNvSpPr>
+          <p:nvPr>
+            <p:extLst>
+              <p:ext uri="{386F3935-93C4-4BCD-93E2-E3B085C9AB24}">
+                <p16:designElem xmlns:p16="http://schemas.microsoft.com/office/powerpoint/2015/main" val="1"/>
+              </p:ext>
+            </p:extLst>
+          </p:nvPr>
+        </p:nvSpPr>
+        <p:spPr bwMode="white">
+          <a:xfrm>
+            <a:off x="0" y="0"/>
+            <a:ext cx="4637005" cy="6858000"/>
+          </a:xfrm>
+          <a:custGeom>
+            <a:avLst/>
+            <a:gdLst>
+              <a:gd name="connsiteX0" fmla="*/ 0 w 4637005"/>
+              <a:gd name="connsiteY0" fmla="*/ 0 h 6858000"/>
+              <a:gd name="connsiteX1" fmla="*/ 4637005 w 4637005"/>
+              <a:gd name="connsiteY1" fmla="*/ 0 h 6858000"/>
+              <a:gd name="connsiteX2" fmla="*/ 4637005 w 4637005"/>
+              <a:gd name="connsiteY2" fmla="*/ 1900238 h 6858000"/>
+              <a:gd name="connsiteX3" fmla="*/ 4266589 w 4637005"/>
+              <a:gd name="connsiteY3" fmla="*/ 2178050 h 6858000"/>
+              <a:gd name="connsiteX4" fmla="*/ 4262355 w 4637005"/>
+              <a:gd name="connsiteY4" fmla="*/ 2184400 h 6858000"/>
+              <a:gd name="connsiteX5" fmla="*/ 4256005 w 4637005"/>
+              <a:gd name="connsiteY5" fmla="*/ 2193925 h 6858000"/>
+              <a:gd name="connsiteX6" fmla="*/ 4249655 w 4637005"/>
+              <a:gd name="connsiteY6" fmla="*/ 2201863 h 6858000"/>
+              <a:gd name="connsiteX7" fmla="*/ 4249655 w 4637005"/>
+              <a:gd name="connsiteY7" fmla="*/ 2211388 h 6858000"/>
+              <a:gd name="connsiteX8" fmla="*/ 4249655 w 4637005"/>
+              <a:gd name="connsiteY8" fmla="*/ 2220913 h 6858000"/>
+              <a:gd name="connsiteX9" fmla="*/ 4256005 w 4637005"/>
+              <a:gd name="connsiteY9" fmla="*/ 2228850 h 6858000"/>
+              <a:gd name="connsiteX10" fmla="*/ 4262355 w 4637005"/>
+              <a:gd name="connsiteY10" fmla="*/ 2238375 h 6858000"/>
+              <a:gd name="connsiteX11" fmla="*/ 4266589 w 4637005"/>
+              <a:gd name="connsiteY11" fmla="*/ 2244725 h 6858000"/>
+              <a:gd name="connsiteX12" fmla="*/ 4637005 w 4637005"/>
+              <a:gd name="connsiteY12" fmla="*/ 2522538 h 6858000"/>
+              <a:gd name="connsiteX13" fmla="*/ 4637005 w 4637005"/>
+              <a:gd name="connsiteY13" fmla="*/ 6858000 h 6858000"/>
+              <a:gd name="connsiteX14" fmla="*/ 0 w 4637005"/>
+              <a:gd name="connsiteY14" fmla="*/ 6858000 h 6858000"/>
+            </a:gdLst>
+            <a:ahLst/>
+            <a:cxnLst>
+              <a:cxn ang="0">
+                <a:pos x="connsiteX0" y="connsiteY0"/>
+              </a:cxn>
+              <a:cxn ang="0">
+                <a:pos x="connsiteX1" y="connsiteY1"/>
+              </a:cxn>
+              <a:cxn ang="0">
+                <a:pos x="connsiteX2" y="connsiteY2"/>
+              </a:cxn>
+              <a:cxn ang="0">
+                <a:pos x="connsiteX3" y="connsiteY3"/>
+              </a:cxn>
+              <a:cxn ang="0">
+                <a:pos x="connsiteX4" y="connsiteY4"/>
+              </a:cxn>
+              <a:cxn ang="0">
+                <a:pos x="connsiteX5" y="connsiteY5"/>
+              </a:cxn>
+              <a:cxn ang="0">
+                <a:pos x="connsiteX6" y="connsiteY6"/>
+              </a:cxn>
+              <a:cxn ang="0">
+                <a:pos x="connsiteX7" y="connsiteY7"/>
+              </a:cxn>
+              <a:cxn ang="0">
+                <a:pos x="connsiteX8" y="connsiteY8"/>
+              </a:cxn>
+              <a:cxn ang="0">
+                <a:pos x="connsiteX9" y="connsiteY9"/>
+              </a:cxn>
+              <a:cxn ang="0">
+                <a:pos x="connsiteX10" y="connsiteY10"/>
+              </a:cxn>
+              <a:cxn ang="0">
+                <a:pos x="connsiteX11" y="connsiteY11"/>
+              </a:cxn>
+              <a:cxn ang="0">
+                <a:pos x="connsiteX12" y="connsiteY12"/>
+              </a:cxn>
+              <a:cxn ang="0">
+                <a:pos x="connsiteX13" y="connsiteY13"/>
+              </a:cxn>
+              <a:cxn ang="0">
+                <a:pos x="connsiteX14" y="connsiteY14"/>
+              </a:cxn>
+            </a:cxnLst>
+            <a:rect l="l" t="t" r="r" b="b"/>
+            <a:pathLst>
+              <a:path w="4637005" h="6858000">
+                <a:moveTo>
+                  <a:pt x="0" y="0"/>
+                </a:moveTo>
+                <a:lnTo>
+                  <a:pt x="4637005" y="0"/>
+                </a:lnTo>
+                <a:lnTo>
+                  <a:pt x="4637005" y="1900238"/>
+                </a:lnTo>
+                <a:lnTo>
+                  <a:pt x="4266589" y="2178050"/>
+                </a:lnTo>
+                <a:lnTo>
+                  <a:pt x="4262355" y="2184400"/>
+                </a:lnTo>
+                <a:lnTo>
+                  <a:pt x="4256005" y="2193925"/>
+                </a:lnTo>
+                <a:lnTo>
+                  <a:pt x="4249655" y="2201863"/>
+                </a:lnTo>
+                <a:lnTo>
+                  <a:pt x="4249655" y="2211388"/>
+                </a:lnTo>
+                <a:lnTo>
+                  <a:pt x="4249655" y="2220913"/>
+                </a:lnTo>
+                <a:lnTo>
+                  <a:pt x="4256005" y="2228850"/>
+                </a:lnTo>
+                <a:lnTo>
+                  <a:pt x="4262355" y="2238375"/>
+                </a:lnTo>
+                <a:lnTo>
+                  <a:pt x="4266589" y="2244725"/>
+                </a:lnTo>
+                <a:lnTo>
+                  <a:pt x="4637005" y="2522538"/>
+                </a:lnTo>
+                <a:lnTo>
+                  <a:pt x="4637005" y="6858000"/>
+                </a:lnTo>
+                <a:lnTo>
+                  <a:pt x="0" y="6858000"/>
+                </a:lnTo>
+                <a:close/>
+              </a:path>
+            </a:pathLst>
+          </a:custGeom>
+          <a:solidFill>
+            <a:srgbClr val="262626"/>
+          </a:solidFill>
+          <a:ln>
+            <a:noFill/>
+          </a:ln>
+        </p:spPr>
+        <p:style>
+          <a:lnRef idx="2">
+            <a:schemeClr val="accent1">
+              <a:shade val="50000"/>
+            </a:schemeClr>
+          </a:lnRef>
+          <a:fillRef idx="1">
+            <a:schemeClr val="accent1"/>
+          </a:fillRef>
+          <a:effectRef idx="0">
+            <a:schemeClr val="accent1"/>
+          </a:effectRef>
+          <a:fontRef idx="minor">
+            <a:schemeClr val="lt1"/>
+          </a:fontRef>
+        </p:style>
+        <p:txBody>
+          <a:bodyPr wrap="square" rtlCol="0" anchor="ctr">
+            <a:noAutofit/>
+          </a:bodyPr>
+          <a:lstStyle/>
+          <a:p>
+            <a:pPr algn="ctr"/>
+            <a:endParaRPr lang="en-US"/>
+          </a:p>
+        </p:txBody>
+      </p:sp>
       <p:sp>
         <p:nvSpPr>
           <p:cNvPr id="2" name="Title 1">
@@ -12273,22 +13513,61 @@
         </p:nvSpPr>
         <p:spPr>
           <a:xfrm>
-            <a:off x="374994" y="513977"/>
-            <a:ext cx="10571998" cy="970450"/>
+            <a:off x="451515" y="447188"/>
+            <a:ext cx="3675318" cy="5468700"/>
           </a:xfrm>
         </p:spPr>
         <p:txBody>
-          <a:bodyPr/>
+          <a:bodyPr anchor="ctr">
+            <a:normAutofit/>
+          </a:bodyPr>
           <a:lstStyle/>
           <a:p>
             <a:r>
-              <a:rPr lang="en-US" sz="6600"/>
+              <a:rPr lang="en-US" sz="3200"/>
               <a:t>Final Clean CSV</a:t>
             </a:r>
-            <a:endParaRPr lang="en-US" sz="6600" dirty="0"/>
           </a:p>
         </p:txBody>
       </p:sp>
+      <p:pic>
+        <p:nvPicPr>
+          <p:cNvPr id="7" name="Picture 6" descr="Graphical user interface, application&#10;&#10;Description automatically generated">
+            <a:extLst>
+              <a:ext uri="{FF2B5EF4-FFF2-40B4-BE49-F238E27FC236}">
+                <a16:creationId xmlns:a16="http://schemas.microsoft.com/office/drawing/2014/main" id="{8BB34E8F-2BA6-4398-99DA-FC804CF95B6E}"/>
+              </a:ext>
+            </a:extLst>
+          </p:cNvPr>
+          <p:cNvPicPr>
+            <a:picLocks noChangeAspect="1"/>
+          </p:cNvPicPr>
+          <p:nvPr/>
+        </p:nvPicPr>
+        <p:blipFill>
+          <a:blip r:embed="rId2"/>
+          <a:stretch>
+            <a:fillRect/>
+          </a:stretch>
+        </p:blipFill>
+        <p:spPr>
+          <a:xfrm>
+            <a:off x="4989143" y="4395177"/>
+            <a:ext cx="6585235" cy="1267658"/>
+          </a:xfrm>
+          <a:prstGeom prst="roundRect">
+            <a:avLst>
+              <a:gd name="adj" fmla="val 3876"/>
+            </a:avLst>
+          </a:prstGeom>
+          <a:ln>
+            <a:solidFill>
+              <a:schemeClr val="accent1"/>
+            </a:solidFill>
+          </a:ln>
+          <a:effectLst/>
+        </p:spPr>
+      </p:pic>
       <p:pic>
         <p:nvPicPr>
           <p:cNvPr id="5" name="Picture 4">
@@ -12304,7 +13583,7 @@
           <p:nvPr/>
         </p:nvPicPr>
         <p:blipFill>
-          <a:blip r:embed="rId2"/>
+          <a:blip r:embed="rId3"/>
           <a:stretch>
             <a:fillRect/>
           </a:stretch>
@@ -12333,48 +13612,23 @@
           </p:cNvGraphicFramePr>
           <p:nvPr>
             <p:ph idx="1"/>
+            <p:extLst>
+              <p:ext uri="{D42A27DB-BD31-4B8C-83A1-F6EECF244321}">
+                <p14:modId xmlns:p14="http://schemas.microsoft.com/office/powerpoint/2010/main" val="920574009"/>
+              </p:ext>
+            </p:extLst>
           </p:nvPr>
         </p:nvGraphicFramePr>
         <p:xfrm>
-          <a:off x="374994" y="2129634"/>
-          <a:ext cx="11473295" cy="2182068"/>
+          <a:off x="4989143" y="447188"/>
+          <a:ext cx="6585235" cy="3395469"/>
         </p:xfrm>
         <a:graphic>
           <a:graphicData uri="http://schemas.openxmlformats.org/drawingml/2006/diagram">
-            <dgm:relIds xmlns:dgm="http://schemas.openxmlformats.org/drawingml/2006/diagram" xmlns:r="http://schemas.openxmlformats.org/officeDocument/2006/relationships" r:dm="rId3" r:lo="rId4" r:qs="rId5" r:cs="rId6"/>
+            <dgm:relIds xmlns:dgm="http://schemas.openxmlformats.org/drawingml/2006/diagram" xmlns:r="http://schemas.openxmlformats.org/officeDocument/2006/relationships" r:dm="rId4" r:lo="rId5" r:qs="rId6" r:cs="rId7"/>
           </a:graphicData>
         </a:graphic>
       </p:graphicFrame>
-      <p:pic>
-        <p:nvPicPr>
-          <p:cNvPr id="7" name="Picture 6" descr="Graphical user interface, application&#10;&#10;Description automatically generated">
-            <a:extLst>
-              <a:ext uri="{FF2B5EF4-FFF2-40B4-BE49-F238E27FC236}">
-                <a16:creationId xmlns:a16="http://schemas.microsoft.com/office/drawing/2014/main" id="{8BB34E8F-2BA6-4398-99DA-FC804CF95B6E}"/>
-              </a:ext>
-            </a:extLst>
-          </p:cNvPr>
-          <p:cNvPicPr>
-            <a:picLocks noChangeAspect="1"/>
-          </p:cNvPicPr>
-          <p:nvPr/>
-        </p:nvPicPr>
-        <p:blipFill>
-          <a:blip r:embed="rId8"/>
-          <a:stretch>
-            <a:fillRect/>
-          </a:stretch>
-        </p:blipFill>
-        <p:spPr>
-          <a:xfrm>
-            <a:off x="483352" y="4311702"/>
-            <a:ext cx="11364937" cy="2182068"/>
-          </a:xfrm>
-          <a:prstGeom prst="rect">
-            <a:avLst/>
-          </a:prstGeom>
-        </p:spPr>
-      </p:pic>
     </p:spTree>
     <p:extLst>
       <p:ext uri="{BB962C8B-B14F-4D97-AF65-F5344CB8AC3E}">
@@ -12383,7 +13637,7 @@
     </p:extLst>
   </p:cSld>
   <p:clrMapOvr>
-    <a:masterClrMapping/>
+    <a:overrideClrMapping bg1="lt1" tx1="dk1" bg2="lt2" tx2="dk2" accent1="accent1" accent2="accent2" accent3="accent3" accent4="accent4" accent5="accent5" accent6="accent6" hlink="hlink" folHlink="folHlink"/>
   </p:clrMapOvr>
 </p:sld>
 </file>
